--- a/RepoDb.Raw/Files/HLA.pptx
+++ b/RepoDb.Raw/Files/HLA.pptx
@@ -6,6 +6,7 @@
   </p:sldMasterIdLst>
   <p:sldIdLst>
     <p:sldId id="256" r:id="rId2"/>
+    <p:sldId id="257" r:id="rId3"/>
   </p:sldIdLst>
   <p:sldSz cx="12192000" cy="6858000"/>
   <p:notesSz cx="6858000" cy="9144000"/>
@@ -243,7 +244,7 @@
           <a:p>
             <a:fld id="{9F96FC77-8E1C-452B-A1D4-6C868B74231D}" type="datetimeFigureOut">
               <a:rPr lang="en-US" smtClean="0"/>
-              <a:t>5/27/2019</a:t>
+              <a:t>12/28/2019</a:t>
             </a:fld>
             <a:endParaRPr lang="en-US"/>
           </a:p>
@@ -413,7 +414,7 @@
           <a:p>
             <a:fld id="{9F96FC77-8E1C-452B-A1D4-6C868B74231D}" type="datetimeFigureOut">
               <a:rPr lang="en-US" smtClean="0"/>
-              <a:t>5/27/2019</a:t>
+              <a:t>12/28/2019</a:t>
             </a:fld>
             <a:endParaRPr lang="en-US"/>
           </a:p>
@@ -593,7 +594,7 @@
           <a:p>
             <a:fld id="{9F96FC77-8E1C-452B-A1D4-6C868B74231D}" type="datetimeFigureOut">
               <a:rPr lang="en-US" smtClean="0"/>
-              <a:t>5/27/2019</a:t>
+              <a:t>12/28/2019</a:t>
             </a:fld>
             <a:endParaRPr lang="en-US"/>
           </a:p>
@@ -763,7 +764,7 @@
           <a:p>
             <a:fld id="{9F96FC77-8E1C-452B-A1D4-6C868B74231D}" type="datetimeFigureOut">
               <a:rPr lang="en-US" smtClean="0"/>
-              <a:t>5/27/2019</a:t>
+              <a:t>12/28/2019</a:t>
             </a:fld>
             <a:endParaRPr lang="en-US"/>
           </a:p>
@@ -1009,7 +1010,7 @@
           <a:p>
             <a:fld id="{9F96FC77-8E1C-452B-A1D4-6C868B74231D}" type="datetimeFigureOut">
               <a:rPr lang="en-US" smtClean="0"/>
-              <a:t>5/27/2019</a:t>
+              <a:t>12/28/2019</a:t>
             </a:fld>
             <a:endParaRPr lang="en-US"/>
           </a:p>
@@ -1241,7 +1242,7 @@
           <a:p>
             <a:fld id="{9F96FC77-8E1C-452B-A1D4-6C868B74231D}" type="datetimeFigureOut">
               <a:rPr lang="en-US" smtClean="0"/>
-              <a:t>5/27/2019</a:t>
+              <a:t>12/28/2019</a:t>
             </a:fld>
             <a:endParaRPr lang="en-US"/>
           </a:p>
@@ -1608,7 +1609,7 @@
           <a:p>
             <a:fld id="{9F96FC77-8E1C-452B-A1D4-6C868B74231D}" type="datetimeFigureOut">
               <a:rPr lang="en-US" smtClean="0"/>
-              <a:t>5/27/2019</a:t>
+              <a:t>12/28/2019</a:t>
             </a:fld>
             <a:endParaRPr lang="en-US"/>
           </a:p>
@@ -1726,7 +1727,7 @@
           <a:p>
             <a:fld id="{9F96FC77-8E1C-452B-A1D4-6C868B74231D}" type="datetimeFigureOut">
               <a:rPr lang="en-US" smtClean="0"/>
-              <a:t>5/27/2019</a:t>
+              <a:t>12/28/2019</a:t>
             </a:fld>
             <a:endParaRPr lang="en-US"/>
           </a:p>
@@ -1821,7 +1822,7 @@
           <a:p>
             <a:fld id="{9F96FC77-8E1C-452B-A1D4-6C868B74231D}" type="datetimeFigureOut">
               <a:rPr lang="en-US" smtClean="0"/>
-              <a:t>5/27/2019</a:t>
+              <a:t>12/28/2019</a:t>
             </a:fld>
             <a:endParaRPr lang="en-US"/>
           </a:p>
@@ -2098,7 +2099,7 @@
           <a:p>
             <a:fld id="{9F96FC77-8E1C-452B-A1D4-6C868B74231D}" type="datetimeFigureOut">
               <a:rPr lang="en-US" smtClean="0"/>
-              <a:t>5/27/2019</a:t>
+              <a:t>12/28/2019</a:t>
             </a:fld>
             <a:endParaRPr lang="en-US"/>
           </a:p>
@@ -2351,7 +2352,7 @@
           <a:p>
             <a:fld id="{9F96FC77-8E1C-452B-A1D4-6C868B74231D}" type="datetimeFigureOut">
               <a:rPr lang="en-US" smtClean="0"/>
-              <a:t>5/27/2019</a:t>
+              <a:t>12/28/2019</a:t>
             </a:fld>
             <a:endParaRPr lang="en-US"/>
           </a:p>
@@ -2564,7 +2565,7 @@
           <a:p>
             <a:fld id="{9F96FC77-8E1C-452B-A1D4-6C868B74231D}" type="datetimeFigureOut">
               <a:rPr lang="en-US" smtClean="0"/>
-              <a:t>5/27/2019</a:t>
+              <a:t>12/28/2019</a:t>
             </a:fld>
             <a:endParaRPr lang="en-US"/>
           </a:p>
@@ -5222,6 +5223,854 @@
 </p:sld>
 </file>
 
+<file path=ppt/slides/slide2.xml><?xml version="1.0" encoding="utf-8"?>
+<p:sld xmlns:a="http://schemas.openxmlformats.org/drawingml/2006/main" xmlns:r="http://schemas.openxmlformats.org/officeDocument/2006/relationships" xmlns:p="http://schemas.openxmlformats.org/presentationml/2006/main">
+  <p:cSld>
+    <p:spTree>
+      <p:nvGrpSpPr>
+        <p:cNvPr id="1" name=""/>
+        <p:cNvGrpSpPr/>
+        <p:nvPr/>
+      </p:nvGrpSpPr>
+      <p:grpSpPr>
+        <a:xfrm>
+          <a:off x="0" y="0"/>
+          <a:ext cx="0" cy="0"/>
+          <a:chOff x="0" y="0"/>
+          <a:chExt cx="0" cy="0"/>
+        </a:xfrm>
+      </p:grpSpPr>
+      <p:sp>
+        <p:nvSpPr>
+          <p:cNvPr id="4" name="Rounded Rectangle 3"/>
+          <p:cNvSpPr/>
+          <p:nvPr/>
+        </p:nvSpPr>
+        <p:spPr>
+          <a:xfrm>
+            <a:off x="1746462" y="1093281"/>
+            <a:ext cx="1828800" cy="796189"/>
+          </a:xfrm>
+          <a:prstGeom prst="roundRect">
+            <a:avLst/>
+          </a:prstGeom>
+        </p:spPr>
+        <p:style>
+          <a:lnRef idx="2">
+            <a:schemeClr val="accent3"/>
+          </a:lnRef>
+          <a:fillRef idx="1">
+            <a:schemeClr val="lt1"/>
+          </a:fillRef>
+          <a:effectRef idx="0">
+            <a:schemeClr val="accent3"/>
+          </a:effectRef>
+          <a:fontRef idx="minor">
+            <a:schemeClr val="dk1"/>
+          </a:fontRef>
+        </p:style>
+        <p:txBody>
+          <a:bodyPr rtlCol="0" anchor="ctr"/>
+          <a:lstStyle/>
+          <a:p>
+            <a:pPr algn="ctr"/>
+            <a:r>
+              <a:rPr lang="en-US" sz="1200" dirty="0" smtClean="0"/>
+              <a:t>Micro ORM</a:t>
+            </a:r>
+          </a:p>
+          <a:p>
+            <a:pPr algn="ctr"/>
+            <a:r>
+              <a:rPr lang="en-US" sz="1200" dirty="0" smtClean="0"/>
+              <a:t>(Dapper)</a:t>
+            </a:r>
+            <a:endParaRPr lang="en-US" sz="1200" dirty="0"/>
+          </a:p>
+        </p:txBody>
+      </p:sp>
+      <p:sp>
+        <p:nvSpPr>
+          <p:cNvPr id="5" name="Flowchart: Magnetic Disk 4"/>
+          <p:cNvSpPr/>
+          <p:nvPr/>
+        </p:nvSpPr>
+        <p:spPr>
+          <a:xfrm>
+            <a:off x="7109411" y="1054206"/>
+            <a:ext cx="1685925" cy="874340"/>
+          </a:xfrm>
+          <a:prstGeom prst="flowChartMagneticDisk">
+            <a:avLst/>
+          </a:prstGeom>
+          <a:ln/>
+        </p:spPr>
+        <p:style>
+          <a:lnRef idx="2">
+            <a:schemeClr val="accent3"/>
+          </a:lnRef>
+          <a:fillRef idx="1">
+            <a:schemeClr val="lt1"/>
+          </a:fillRef>
+          <a:effectRef idx="0">
+            <a:schemeClr val="accent3"/>
+          </a:effectRef>
+          <a:fontRef idx="minor">
+            <a:schemeClr val="dk1"/>
+          </a:fontRef>
+        </p:style>
+        <p:txBody>
+          <a:bodyPr rtlCol="0" anchor="ctr"/>
+          <a:lstStyle/>
+          <a:p>
+            <a:pPr algn="ctr"/>
+            <a:r>
+              <a:rPr lang="en-US" sz="1200" dirty="0" smtClean="0">
+                <a:solidFill>
+                  <a:schemeClr val="tx1"/>
+                </a:solidFill>
+              </a:rPr>
+              <a:t>DATABASE</a:t>
+            </a:r>
+            <a:endParaRPr lang="en-US" sz="1200" dirty="0">
+              <a:solidFill>
+                <a:schemeClr val="tx1"/>
+              </a:solidFill>
+            </a:endParaRPr>
+          </a:p>
+        </p:txBody>
+      </p:sp>
+      <p:cxnSp>
+        <p:nvCxnSpPr>
+          <p:cNvPr id="7" name="Straight Connector 6"/>
+          <p:cNvCxnSpPr/>
+          <p:nvPr/>
+        </p:nvCxnSpPr>
+        <p:spPr>
+          <a:xfrm>
+            <a:off x="1685790" y="2262165"/>
+            <a:ext cx="7172189" cy="0"/>
+          </a:xfrm>
+          <a:prstGeom prst="line">
+            <a:avLst/>
+          </a:prstGeom>
+        </p:spPr>
+        <p:style>
+          <a:lnRef idx="2">
+            <a:schemeClr val="accent3"/>
+          </a:lnRef>
+          <a:fillRef idx="0">
+            <a:schemeClr val="accent3"/>
+          </a:fillRef>
+          <a:effectRef idx="1">
+            <a:schemeClr val="accent3"/>
+          </a:effectRef>
+          <a:fontRef idx="minor">
+            <a:schemeClr val="tx1"/>
+          </a:fontRef>
+        </p:style>
+      </p:cxnSp>
+      <p:sp>
+        <p:nvSpPr>
+          <p:cNvPr id="8" name="Rounded Rectangle 7"/>
+          <p:cNvSpPr/>
+          <p:nvPr/>
+        </p:nvSpPr>
+        <p:spPr>
+          <a:xfrm>
+            <a:off x="1746462" y="2609458"/>
+            <a:ext cx="1828800" cy="796189"/>
+          </a:xfrm>
+          <a:prstGeom prst="roundRect">
+            <a:avLst/>
+          </a:prstGeom>
+        </p:spPr>
+        <p:style>
+          <a:lnRef idx="2">
+            <a:schemeClr val="accent3"/>
+          </a:lnRef>
+          <a:fillRef idx="1">
+            <a:schemeClr val="lt1"/>
+          </a:fillRef>
+          <a:effectRef idx="0">
+            <a:schemeClr val="accent3"/>
+          </a:effectRef>
+          <a:fontRef idx="minor">
+            <a:schemeClr val="dk1"/>
+          </a:fontRef>
+        </p:style>
+        <p:txBody>
+          <a:bodyPr rtlCol="0" anchor="ctr"/>
+          <a:lstStyle/>
+          <a:p>
+            <a:pPr algn="ctr"/>
+            <a:r>
+              <a:rPr lang="en-US" sz="1200" dirty="0" smtClean="0"/>
+              <a:t>RepoDb</a:t>
+            </a:r>
+            <a:endParaRPr lang="en-US" sz="1200" dirty="0"/>
+          </a:p>
+        </p:txBody>
+      </p:sp>
+      <p:sp>
+        <p:nvSpPr>
+          <p:cNvPr id="9" name="Flowchart: Magnetic Disk 8"/>
+          <p:cNvSpPr/>
+          <p:nvPr/>
+        </p:nvSpPr>
+        <p:spPr>
+          <a:xfrm>
+            <a:off x="7109411" y="2570383"/>
+            <a:ext cx="1685925" cy="874340"/>
+          </a:xfrm>
+          <a:prstGeom prst="flowChartMagneticDisk">
+            <a:avLst/>
+          </a:prstGeom>
+          <a:ln/>
+        </p:spPr>
+        <p:style>
+          <a:lnRef idx="2">
+            <a:schemeClr val="accent3"/>
+          </a:lnRef>
+          <a:fillRef idx="1">
+            <a:schemeClr val="lt1"/>
+          </a:fillRef>
+          <a:effectRef idx="0">
+            <a:schemeClr val="accent3"/>
+          </a:effectRef>
+          <a:fontRef idx="minor">
+            <a:schemeClr val="dk1"/>
+          </a:fontRef>
+        </p:style>
+        <p:txBody>
+          <a:bodyPr rtlCol="0" anchor="ctr"/>
+          <a:lstStyle/>
+          <a:p>
+            <a:pPr algn="ctr"/>
+            <a:r>
+              <a:rPr lang="en-US" sz="1200" dirty="0" smtClean="0">
+                <a:solidFill>
+                  <a:schemeClr val="tx1"/>
+                </a:solidFill>
+              </a:rPr>
+              <a:t>DATABASE</a:t>
+            </a:r>
+            <a:endParaRPr lang="en-US" sz="1200" dirty="0">
+              <a:solidFill>
+                <a:schemeClr val="tx1"/>
+              </a:solidFill>
+            </a:endParaRPr>
+          </a:p>
+        </p:txBody>
+      </p:sp>
+      <p:cxnSp>
+        <p:nvCxnSpPr>
+          <p:cNvPr id="10" name="Straight Connector 9"/>
+          <p:cNvCxnSpPr/>
+          <p:nvPr/>
+        </p:nvCxnSpPr>
+        <p:spPr>
+          <a:xfrm>
+            <a:off x="1685790" y="3778342"/>
+            <a:ext cx="7172189" cy="0"/>
+          </a:xfrm>
+          <a:prstGeom prst="line">
+            <a:avLst/>
+          </a:prstGeom>
+        </p:spPr>
+        <p:style>
+          <a:lnRef idx="2">
+            <a:schemeClr val="accent3"/>
+          </a:lnRef>
+          <a:fillRef idx="0">
+            <a:schemeClr val="accent3"/>
+          </a:fillRef>
+          <a:effectRef idx="1">
+            <a:schemeClr val="accent3"/>
+          </a:effectRef>
+          <a:fontRef idx="minor">
+            <a:schemeClr val="tx1"/>
+          </a:fontRef>
+        </p:style>
+      </p:cxnSp>
+      <p:sp>
+        <p:nvSpPr>
+          <p:cNvPr id="11" name="Rounded Rectangle 10"/>
+          <p:cNvSpPr/>
+          <p:nvPr/>
+        </p:nvSpPr>
+        <p:spPr>
+          <a:xfrm>
+            <a:off x="1746462" y="4086558"/>
+            <a:ext cx="1828800" cy="796189"/>
+          </a:xfrm>
+          <a:prstGeom prst="roundRect">
+            <a:avLst/>
+          </a:prstGeom>
+        </p:spPr>
+        <p:style>
+          <a:lnRef idx="2">
+            <a:schemeClr val="accent3"/>
+          </a:lnRef>
+          <a:fillRef idx="1">
+            <a:schemeClr val="lt1"/>
+          </a:fillRef>
+          <a:effectRef idx="0">
+            <a:schemeClr val="accent3"/>
+          </a:effectRef>
+          <a:fontRef idx="minor">
+            <a:schemeClr val="dk1"/>
+          </a:fontRef>
+        </p:style>
+        <p:txBody>
+          <a:bodyPr rtlCol="0" anchor="ctr"/>
+          <a:lstStyle/>
+          <a:p>
+            <a:pPr algn="ctr"/>
+            <a:r>
+              <a:rPr lang="en-US" sz="1200" dirty="0" smtClean="0"/>
+              <a:t>Macro ORM</a:t>
+            </a:r>
+          </a:p>
+          <a:p>
+            <a:pPr algn="ctr"/>
+            <a:r>
+              <a:rPr lang="en-US" sz="1200" dirty="0" smtClean="0"/>
+              <a:t>(EF, NH, LLBLGEN)</a:t>
+            </a:r>
+            <a:endParaRPr lang="en-US" sz="1200" dirty="0"/>
+          </a:p>
+        </p:txBody>
+      </p:sp>
+      <p:sp>
+        <p:nvSpPr>
+          <p:cNvPr id="12" name="Flowchart: Magnetic Disk 11"/>
+          <p:cNvSpPr/>
+          <p:nvPr/>
+        </p:nvSpPr>
+        <p:spPr>
+          <a:xfrm>
+            <a:off x="7109411" y="4047483"/>
+            <a:ext cx="1685925" cy="874340"/>
+          </a:xfrm>
+          <a:prstGeom prst="flowChartMagneticDisk">
+            <a:avLst/>
+          </a:prstGeom>
+          <a:ln/>
+        </p:spPr>
+        <p:style>
+          <a:lnRef idx="2">
+            <a:schemeClr val="accent3"/>
+          </a:lnRef>
+          <a:fillRef idx="1">
+            <a:schemeClr val="lt1"/>
+          </a:fillRef>
+          <a:effectRef idx="0">
+            <a:schemeClr val="accent3"/>
+          </a:effectRef>
+          <a:fontRef idx="minor">
+            <a:schemeClr val="dk1"/>
+          </a:fontRef>
+        </p:style>
+        <p:txBody>
+          <a:bodyPr rtlCol="0" anchor="ctr"/>
+          <a:lstStyle/>
+          <a:p>
+            <a:pPr algn="ctr"/>
+            <a:r>
+              <a:rPr lang="en-US" sz="1200" dirty="0" smtClean="0">
+                <a:solidFill>
+                  <a:schemeClr val="tx1"/>
+                </a:solidFill>
+              </a:rPr>
+              <a:t>DATABASE</a:t>
+            </a:r>
+            <a:endParaRPr lang="en-US" sz="1200" dirty="0">
+              <a:solidFill>
+                <a:schemeClr val="tx1"/>
+              </a:solidFill>
+            </a:endParaRPr>
+          </a:p>
+        </p:txBody>
+      </p:sp>
+      <p:cxnSp>
+        <p:nvCxnSpPr>
+          <p:cNvPr id="13" name="Straight Connector 12"/>
+          <p:cNvCxnSpPr/>
+          <p:nvPr/>
+        </p:nvCxnSpPr>
+        <p:spPr>
+          <a:xfrm>
+            <a:off x="1685790" y="5255442"/>
+            <a:ext cx="7172189" cy="0"/>
+          </a:xfrm>
+          <a:prstGeom prst="line">
+            <a:avLst/>
+          </a:prstGeom>
+        </p:spPr>
+        <p:style>
+          <a:lnRef idx="2">
+            <a:schemeClr val="accent3"/>
+          </a:lnRef>
+          <a:fillRef idx="0">
+            <a:schemeClr val="accent3"/>
+          </a:fillRef>
+          <a:effectRef idx="1">
+            <a:schemeClr val="accent3"/>
+          </a:effectRef>
+          <a:fontRef idx="minor">
+            <a:schemeClr val="tx1"/>
+          </a:fontRef>
+        </p:style>
+      </p:cxnSp>
+      <p:cxnSp>
+        <p:nvCxnSpPr>
+          <p:cNvPr id="14" name="Straight Connector 13"/>
+          <p:cNvCxnSpPr/>
+          <p:nvPr/>
+        </p:nvCxnSpPr>
+        <p:spPr>
+          <a:xfrm>
+            <a:off x="1685790" y="763445"/>
+            <a:ext cx="7172189" cy="0"/>
+          </a:xfrm>
+          <a:prstGeom prst="line">
+            <a:avLst/>
+          </a:prstGeom>
+        </p:spPr>
+        <p:style>
+          <a:lnRef idx="2">
+            <a:schemeClr val="accent3"/>
+          </a:lnRef>
+          <a:fillRef idx="0">
+            <a:schemeClr val="accent3"/>
+          </a:fillRef>
+          <a:effectRef idx="1">
+            <a:schemeClr val="accent3"/>
+          </a:effectRef>
+          <a:fontRef idx="minor">
+            <a:schemeClr val="tx1"/>
+          </a:fontRef>
+        </p:style>
+      </p:cxnSp>
+      <p:sp>
+        <p:nvSpPr>
+          <p:cNvPr id="15" name="Rounded Rectangle 14"/>
+          <p:cNvSpPr/>
+          <p:nvPr/>
+        </p:nvSpPr>
+        <p:spPr>
+          <a:xfrm>
+            <a:off x="4427936" y="1093281"/>
+            <a:ext cx="1828800" cy="796189"/>
+          </a:xfrm>
+          <a:prstGeom prst="roundRect">
+            <a:avLst/>
+          </a:prstGeom>
+        </p:spPr>
+        <p:style>
+          <a:lnRef idx="2">
+            <a:schemeClr val="accent3"/>
+          </a:lnRef>
+          <a:fillRef idx="1">
+            <a:schemeClr val="lt1"/>
+          </a:fillRef>
+          <a:effectRef idx="0">
+            <a:schemeClr val="accent3"/>
+          </a:effectRef>
+          <a:fontRef idx="minor">
+            <a:schemeClr val="dk1"/>
+          </a:fontRef>
+        </p:style>
+        <p:txBody>
+          <a:bodyPr rtlCol="0" anchor="ctr"/>
+          <a:lstStyle/>
+          <a:p>
+            <a:pPr algn="ctr"/>
+            <a:r>
+              <a:rPr lang="en-US" sz="900" dirty="0" smtClean="0"/>
+              <a:t>Raw SQL</a:t>
+            </a:r>
+            <a:endParaRPr lang="en-US" sz="900" dirty="0"/>
+          </a:p>
+        </p:txBody>
+      </p:sp>
+      <p:sp>
+        <p:nvSpPr>
+          <p:cNvPr id="16" name="Rounded Rectangle 15"/>
+          <p:cNvSpPr/>
+          <p:nvPr/>
+        </p:nvSpPr>
+        <p:spPr>
+          <a:xfrm>
+            <a:off x="4427936" y="2609458"/>
+            <a:ext cx="1828800" cy="796189"/>
+          </a:xfrm>
+          <a:prstGeom prst="roundRect">
+            <a:avLst/>
+          </a:prstGeom>
+        </p:spPr>
+        <p:style>
+          <a:lnRef idx="2">
+            <a:schemeClr val="accent3"/>
+          </a:lnRef>
+          <a:fillRef idx="1">
+            <a:schemeClr val="lt1"/>
+          </a:fillRef>
+          <a:effectRef idx="0">
+            <a:schemeClr val="accent3"/>
+          </a:effectRef>
+          <a:fontRef idx="minor">
+            <a:schemeClr val="dk1"/>
+          </a:fontRef>
+        </p:style>
+        <p:txBody>
+          <a:bodyPr rtlCol="0" anchor="ctr"/>
+          <a:lstStyle/>
+          <a:p>
+            <a:pPr algn="ctr"/>
+            <a:r>
+              <a:rPr lang="en-US" sz="900" dirty="0" smtClean="0"/>
+              <a:t>Raw SQL</a:t>
+            </a:r>
+          </a:p>
+          <a:p>
+            <a:pPr algn="ctr"/>
+            <a:r>
+              <a:rPr lang="en-US" sz="900" dirty="0" smtClean="0"/>
+              <a:t>Cache</a:t>
+            </a:r>
+          </a:p>
+          <a:p>
+            <a:pPr algn="ctr"/>
+            <a:r>
+              <a:rPr lang="en-US" sz="900" dirty="0" smtClean="0"/>
+              <a:t>Trace</a:t>
+            </a:r>
+          </a:p>
+          <a:p>
+            <a:pPr algn="ctr"/>
+            <a:r>
+              <a:rPr lang="en-US" sz="900" dirty="0" smtClean="0"/>
+              <a:t>Bulk/Batch Operations</a:t>
+            </a:r>
+          </a:p>
+          <a:p>
+            <a:pPr algn="ctr"/>
+            <a:r>
+              <a:rPr lang="en-US" sz="900" dirty="0" smtClean="0"/>
+              <a:t>Fluent Methods</a:t>
+            </a:r>
+            <a:endParaRPr lang="en-US" sz="900" dirty="0"/>
+          </a:p>
+        </p:txBody>
+      </p:sp>
+      <p:sp>
+        <p:nvSpPr>
+          <p:cNvPr id="17" name="Rounded Rectangle 16"/>
+          <p:cNvSpPr/>
+          <p:nvPr/>
+        </p:nvSpPr>
+        <p:spPr>
+          <a:xfrm>
+            <a:off x="4427936" y="4086557"/>
+            <a:ext cx="1828800" cy="796189"/>
+          </a:xfrm>
+          <a:prstGeom prst="roundRect">
+            <a:avLst/>
+          </a:prstGeom>
+        </p:spPr>
+        <p:style>
+          <a:lnRef idx="2">
+            <a:schemeClr val="accent3"/>
+          </a:lnRef>
+          <a:fillRef idx="1">
+            <a:schemeClr val="lt1"/>
+          </a:fillRef>
+          <a:effectRef idx="0">
+            <a:schemeClr val="accent3"/>
+          </a:effectRef>
+          <a:fontRef idx="minor">
+            <a:schemeClr val="dk1"/>
+          </a:fontRef>
+        </p:style>
+        <p:txBody>
+          <a:bodyPr rtlCol="0" anchor="ctr"/>
+          <a:lstStyle/>
+          <a:p>
+            <a:pPr algn="ctr"/>
+            <a:r>
+              <a:rPr lang="en-US" sz="900" dirty="0" smtClean="0"/>
+              <a:t>RepoDb</a:t>
+            </a:r>
+          </a:p>
+          <a:p>
+            <a:pPr algn="ctr"/>
+            <a:r>
+              <a:rPr lang="en-US" sz="900" dirty="0" smtClean="0"/>
+              <a:t>+</a:t>
+            </a:r>
+          </a:p>
+          <a:p>
+            <a:pPr algn="ctr"/>
+            <a:r>
+              <a:rPr lang="en-US" sz="900" dirty="0" smtClean="0"/>
+              <a:t>State/Change Tracking</a:t>
+            </a:r>
+          </a:p>
+          <a:p>
+            <a:pPr algn="ctr"/>
+            <a:r>
+              <a:rPr lang="en-US" sz="900" dirty="0" smtClean="0"/>
+              <a:t>Schema Versioning</a:t>
+            </a:r>
+          </a:p>
+          <a:p>
+            <a:pPr algn="ctr"/>
+            <a:r>
+              <a:rPr lang="en-US" sz="900" dirty="0" smtClean="0"/>
+              <a:t>Deep Object Graph (</a:t>
+            </a:r>
+            <a:r>
+              <a:rPr lang="en-US" sz="900" dirty="0" err="1" smtClean="0"/>
+              <a:t>etc</a:t>
+            </a:r>
+            <a:r>
+              <a:rPr lang="en-US" sz="900" dirty="0" smtClean="0"/>
+              <a:t>)</a:t>
+            </a:r>
+          </a:p>
+        </p:txBody>
+      </p:sp>
+      <p:cxnSp>
+        <p:nvCxnSpPr>
+          <p:cNvPr id="19" name="Straight Arrow Connector 18"/>
+          <p:cNvCxnSpPr>
+            <a:stCxn id="8" idx="3"/>
+            <a:endCxn id="16" idx="1"/>
+          </p:cNvCxnSpPr>
+          <p:nvPr/>
+        </p:nvCxnSpPr>
+        <p:spPr>
+          <a:xfrm>
+            <a:off x="3575262" y="3007553"/>
+            <a:ext cx="852674" cy="0"/>
+          </a:xfrm>
+          <a:prstGeom prst="straightConnector1">
+            <a:avLst/>
+          </a:prstGeom>
+          <a:ln>
+            <a:tailEnd type="triangle"/>
+          </a:ln>
+        </p:spPr>
+        <p:style>
+          <a:lnRef idx="2">
+            <a:schemeClr val="accent3"/>
+          </a:lnRef>
+          <a:fillRef idx="0">
+            <a:schemeClr val="accent3"/>
+          </a:fillRef>
+          <a:effectRef idx="1">
+            <a:schemeClr val="accent3"/>
+          </a:effectRef>
+          <a:fontRef idx="minor">
+            <a:schemeClr val="tx1"/>
+          </a:fontRef>
+        </p:style>
+      </p:cxnSp>
+      <p:cxnSp>
+        <p:nvCxnSpPr>
+          <p:cNvPr id="20" name="Straight Arrow Connector 19"/>
+          <p:cNvCxnSpPr>
+            <a:stCxn id="16" idx="3"/>
+            <a:endCxn id="9" idx="2"/>
+          </p:cNvCxnSpPr>
+          <p:nvPr/>
+        </p:nvCxnSpPr>
+        <p:spPr>
+          <a:xfrm>
+            <a:off x="6256736" y="3007553"/>
+            <a:ext cx="852675" cy="0"/>
+          </a:xfrm>
+          <a:prstGeom prst="straightConnector1">
+            <a:avLst/>
+          </a:prstGeom>
+          <a:ln>
+            <a:tailEnd type="triangle"/>
+          </a:ln>
+        </p:spPr>
+        <p:style>
+          <a:lnRef idx="2">
+            <a:schemeClr val="accent3"/>
+          </a:lnRef>
+          <a:fillRef idx="0">
+            <a:schemeClr val="accent3"/>
+          </a:fillRef>
+          <a:effectRef idx="1">
+            <a:schemeClr val="accent3"/>
+          </a:effectRef>
+          <a:fontRef idx="minor">
+            <a:schemeClr val="tx1"/>
+          </a:fontRef>
+        </p:style>
+      </p:cxnSp>
+      <p:cxnSp>
+        <p:nvCxnSpPr>
+          <p:cNvPr id="23" name="Straight Arrow Connector 22"/>
+          <p:cNvCxnSpPr>
+            <a:stCxn id="4" idx="3"/>
+            <a:endCxn id="15" idx="1"/>
+          </p:cNvCxnSpPr>
+          <p:nvPr/>
+        </p:nvCxnSpPr>
+        <p:spPr>
+          <a:xfrm>
+            <a:off x="3575262" y="1491376"/>
+            <a:ext cx="852674" cy="0"/>
+          </a:xfrm>
+          <a:prstGeom prst="straightConnector1">
+            <a:avLst/>
+          </a:prstGeom>
+          <a:ln>
+            <a:tailEnd type="triangle"/>
+          </a:ln>
+        </p:spPr>
+        <p:style>
+          <a:lnRef idx="2">
+            <a:schemeClr val="accent3"/>
+          </a:lnRef>
+          <a:fillRef idx="0">
+            <a:schemeClr val="accent3"/>
+          </a:fillRef>
+          <a:effectRef idx="1">
+            <a:schemeClr val="accent3"/>
+          </a:effectRef>
+          <a:fontRef idx="minor">
+            <a:schemeClr val="tx1"/>
+          </a:fontRef>
+        </p:style>
+      </p:cxnSp>
+      <p:cxnSp>
+        <p:nvCxnSpPr>
+          <p:cNvPr id="26" name="Straight Arrow Connector 25"/>
+          <p:cNvCxnSpPr>
+            <a:stCxn id="15" idx="3"/>
+            <a:endCxn id="5" idx="2"/>
+          </p:cNvCxnSpPr>
+          <p:nvPr/>
+        </p:nvCxnSpPr>
+        <p:spPr>
+          <a:xfrm>
+            <a:off x="6256736" y="1491376"/>
+            <a:ext cx="852675" cy="0"/>
+          </a:xfrm>
+          <a:prstGeom prst="straightConnector1">
+            <a:avLst/>
+          </a:prstGeom>
+          <a:ln>
+            <a:tailEnd type="triangle"/>
+          </a:ln>
+        </p:spPr>
+        <p:style>
+          <a:lnRef idx="2">
+            <a:schemeClr val="accent3"/>
+          </a:lnRef>
+          <a:fillRef idx="0">
+            <a:schemeClr val="accent3"/>
+          </a:fillRef>
+          <a:effectRef idx="1">
+            <a:schemeClr val="accent3"/>
+          </a:effectRef>
+          <a:fontRef idx="minor">
+            <a:schemeClr val="tx1"/>
+          </a:fontRef>
+        </p:style>
+      </p:cxnSp>
+      <p:cxnSp>
+        <p:nvCxnSpPr>
+          <p:cNvPr id="29" name="Straight Arrow Connector 28"/>
+          <p:cNvCxnSpPr>
+            <a:stCxn id="11" idx="3"/>
+            <a:endCxn id="17" idx="1"/>
+          </p:cNvCxnSpPr>
+          <p:nvPr/>
+        </p:nvCxnSpPr>
+        <p:spPr>
+          <a:xfrm flipV="1">
+            <a:off x="3575262" y="4484652"/>
+            <a:ext cx="852674" cy="1"/>
+          </a:xfrm>
+          <a:prstGeom prst="straightConnector1">
+            <a:avLst/>
+          </a:prstGeom>
+          <a:ln>
+            <a:tailEnd type="triangle"/>
+          </a:ln>
+        </p:spPr>
+        <p:style>
+          <a:lnRef idx="2">
+            <a:schemeClr val="accent3"/>
+          </a:lnRef>
+          <a:fillRef idx="0">
+            <a:schemeClr val="accent3"/>
+          </a:fillRef>
+          <a:effectRef idx="1">
+            <a:schemeClr val="accent3"/>
+          </a:effectRef>
+          <a:fontRef idx="minor">
+            <a:schemeClr val="tx1"/>
+          </a:fontRef>
+        </p:style>
+      </p:cxnSp>
+      <p:cxnSp>
+        <p:nvCxnSpPr>
+          <p:cNvPr id="32" name="Straight Arrow Connector 31"/>
+          <p:cNvCxnSpPr>
+            <a:stCxn id="17" idx="3"/>
+            <a:endCxn id="12" idx="2"/>
+          </p:cNvCxnSpPr>
+          <p:nvPr/>
+        </p:nvCxnSpPr>
+        <p:spPr>
+          <a:xfrm>
+            <a:off x="6256736" y="4484652"/>
+            <a:ext cx="852675" cy="1"/>
+          </a:xfrm>
+          <a:prstGeom prst="straightConnector1">
+            <a:avLst/>
+          </a:prstGeom>
+          <a:ln>
+            <a:tailEnd type="triangle"/>
+          </a:ln>
+        </p:spPr>
+        <p:style>
+          <a:lnRef idx="2">
+            <a:schemeClr val="accent3"/>
+          </a:lnRef>
+          <a:fillRef idx="0">
+            <a:schemeClr val="accent3"/>
+          </a:fillRef>
+          <a:effectRef idx="1">
+            <a:schemeClr val="accent3"/>
+          </a:effectRef>
+          <a:fontRef idx="minor">
+            <a:schemeClr val="tx1"/>
+          </a:fontRef>
+        </p:style>
+      </p:cxnSp>
+    </p:spTree>
+    <p:extLst>
+      <p:ext uri="{BB962C8B-B14F-4D97-AF65-F5344CB8AC3E}">
+        <p14:creationId xmlns:p14="http://schemas.microsoft.com/office/powerpoint/2010/main" val="1554361922"/>
+      </p:ext>
+    </p:extLst>
+  </p:cSld>
+  <p:clrMapOvr>
+    <a:masterClrMapping/>
+  </p:clrMapOvr>
+</p:sld>
+</file>
+
 <file path=ppt/theme/theme1.xml><?xml version="1.0" encoding="utf-8"?>
 <a:theme xmlns:a="http://schemas.openxmlformats.org/drawingml/2006/main" name="Office Theme">
   <a:themeElements>

--- a/RepoDb.Raw/Files/HLA.pptx
+++ b/RepoDb.Raw/Files/HLA.pptx
@@ -2996,18 +2996,16 @@
         </p:spPr>
         <p:style>
           <a:lnRef idx="2">
-            <a:schemeClr val="accent1">
-              <a:shade val="50000"/>
-            </a:schemeClr>
+            <a:schemeClr val="accent3"/>
           </a:lnRef>
           <a:fillRef idx="1">
-            <a:schemeClr val="accent1"/>
+            <a:schemeClr val="lt1"/>
           </a:fillRef>
           <a:effectRef idx="0">
-            <a:schemeClr val="accent1"/>
+            <a:schemeClr val="accent3"/>
           </a:effectRef>
           <a:fontRef idx="minor">
-            <a:schemeClr val="lt1"/>
+            <a:schemeClr val="dk1"/>
           </a:fontRef>
         </p:style>
         <p:txBody>
@@ -3018,7 +3016,7 @@
             <a:r>
               <a:rPr lang="en-US" sz="1000" b="1" dirty="0" smtClean="0">
                 <a:solidFill>
-                  <a:schemeClr val="bg1"/>
+                  <a:schemeClr val="tx1"/>
                 </a:solidFill>
               </a:rPr>
               <a:t>Database</a:t>
@@ -3029,7 +3027,7 @@
             <a:r>
               <a:rPr lang="en-US" sz="1000" b="1" dirty="0" smtClean="0">
                 <a:solidFill>
-                  <a:schemeClr val="bg1"/>
+                  <a:schemeClr val="tx1"/>
                 </a:solidFill>
               </a:rPr>
               <a:t>(</a:t>
@@ -3037,23 +3035,39 @@
             <a:r>
               <a:rPr lang="en-US" sz="1000" b="1" dirty="0" err="1" smtClean="0">
                 <a:solidFill>
-                  <a:schemeClr val="bg1"/>
-                </a:solidFill>
-              </a:rPr>
-              <a:t>Sql</a:t>
+                  <a:schemeClr val="tx1"/>
+                </a:solidFill>
+              </a:rPr>
+              <a:t>SqlServer</a:t>
             </a:r>
             <a:r>
               <a:rPr lang="en-US" sz="1000" b="1" dirty="0" smtClean="0">
                 <a:solidFill>
-                  <a:schemeClr val="bg1"/>
-                </a:solidFill>
-              </a:rPr>
-              <a:t>, Oracle, </a:t>
+                  <a:schemeClr val="tx1"/>
+                </a:solidFill>
+              </a:rPr>
+              <a:t>, </a:t>
             </a:r>
             <a:r>
               <a:rPr lang="en-US" sz="1000" b="1" dirty="0" err="1" smtClean="0">
                 <a:solidFill>
-                  <a:schemeClr val="bg1"/>
+                  <a:schemeClr val="tx1"/>
+                </a:solidFill>
+              </a:rPr>
+              <a:t>SqLite</a:t>
+            </a:r>
+            <a:r>
+              <a:rPr lang="en-US" sz="1000" b="1" dirty="0" smtClean="0">
+                <a:solidFill>
+                  <a:schemeClr val="tx1"/>
+                </a:solidFill>
+              </a:rPr>
+              <a:t>, </a:t>
+            </a:r>
+            <a:r>
+              <a:rPr lang="en-US" sz="1000" b="1" dirty="0" err="1" smtClean="0">
+                <a:solidFill>
+                  <a:schemeClr val="tx1"/>
                 </a:solidFill>
               </a:rPr>
               <a:t>MySql</a:t>
@@ -3061,7 +3075,7 @@
             <a:r>
               <a:rPr lang="en-US" sz="1000" b="1" dirty="0" smtClean="0">
                 <a:solidFill>
-                  <a:schemeClr val="bg1"/>
+                  <a:schemeClr val="tx1"/>
                 </a:solidFill>
               </a:rPr>
               <a:t>, </a:t>
@@ -3069,7 +3083,7 @@
             <a:r>
               <a:rPr lang="en-US" sz="1000" b="1" dirty="0" err="1" smtClean="0">
                 <a:solidFill>
-                  <a:schemeClr val="bg1"/>
+                  <a:schemeClr val="tx1"/>
                 </a:solidFill>
               </a:rPr>
               <a:t>etc</a:t>
@@ -3077,14 +3091,14 @@
             <a:r>
               <a:rPr lang="en-US" sz="1000" b="1" dirty="0" smtClean="0">
                 <a:solidFill>
-                  <a:schemeClr val="bg1"/>
+                  <a:schemeClr val="tx1"/>
                 </a:solidFill>
               </a:rPr>
               <a:t>)</a:t>
             </a:r>
             <a:endParaRPr lang="en-US" sz="1000" b="1" dirty="0">
               <a:solidFill>
-                <a:schemeClr val="bg1"/>
+                <a:schemeClr val="tx1"/>
               </a:solidFill>
             </a:endParaRPr>
           </a:p>
@@ -3108,18 +3122,16 @@
         </p:spPr>
         <p:style>
           <a:lnRef idx="2">
-            <a:schemeClr val="accent6">
-              <a:shade val="50000"/>
-            </a:schemeClr>
+            <a:schemeClr val="accent3"/>
           </a:lnRef>
           <a:fillRef idx="1">
-            <a:schemeClr val="accent6"/>
+            <a:schemeClr val="lt1"/>
           </a:fillRef>
           <a:effectRef idx="0">
-            <a:schemeClr val="accent6"/>
+            <a:schemeClr val="accent3"/>
           </a:effectRef>
           <a:fontRef idx="minor">
-            <a:schemeClr val="lt1"/>
+            <a:schemeClr val="dk1"/>
           </a:fontRef>
         </p:style>
         <p:txBody>
@@ -3130,14 +3142,14 @@
             <a:r>
               <a:rPr lang="en-US" sz="1050" b="1" dirty="0" err="1" smtClean="0">
                 <a:solidFill>
-                  <a:schemeClr val="bg1"/>
+                  <a:schemeClr val="tx1"/>
                 </a:solidFill>
               </a:rPr>
               <a:t>IDbConnection</a:t>
             </a:r>
             <a:endParaRPr lang="en-US" sz="1050" b="1" dirty="0">
               <a:solidFill>
-                <a:schemeClr val="bg1"/>
+                <a:schemeClr val="tx1"/>
               </a:solidFill>
             </a:endParaRPr>
           </a:p>
@@ -3161,18 +3173,16 @@
         </p:spPr>
         <p:style>
           <a:lnRef idx="2">
-            <a:schemeClr val="accent6">
-              <a:shade val="50000"/>
-            </a:schemeClr>
+            <a:schemeClr val="accent3"/>
           </a:lnRef>
           <a:fillRef idx="1">
-            <a:schemeClr val="accent6"/>
+            <a:schemeClr val="lt1"/>
           </a:fillRef>
           <a:effectRef idx="0">
-            <a:schemeClr val="accent6"/>
+            <a:schemeClr val="accent3"/>
           </a:effectRef>
           <a:fontRef idx="minor">
-            <a:schemeClr val="lt1"/>
+            <a:schemeClr val="dk1"/>
           </a:fontRef>
         </p:style>
         <p:txBody>
@@ -3183,14 +3193,14 @@
             <a:r>
               <a:rPr lang="en-US" sz="1050" b="1" dirty="0" err="1" smtClean="0">
                 <a:solidFill>
-                  <a:schemeClr val="bg1"/>
+                  <a:schemeClr val="tx1"/>
                 </a:solidFill>
               </a:rPr>
               <a:t>DbRepository</a:t>
             </a:r>
             <a:endParaRPr lang="en-US" sz="1050" b="1" dirty="0">
               <a:solidFill>
-                <a:schemeClr val="bg1"/>
+                <a:schemeClr val="tx1"/>
               </a:solidFill>
             </a:endParaRPr>
           </a:p>
@@ -3199,7 +3209,7 @@
             <a:r>
               <a:rPr lang="en-US" sz="1050" dirty="0" smtClean="0">
                 <a:solidFill>
-                  <a:schemeClr val="bg1"/>
+                  <a:schemeClr val="tx1"/>
                 </a:solidFill>
               </a:rPr>
               <a:t>&lt;</a:t>
@@ -3207,7 +3217,7 @@
             <a:r>
               <a:rPr lang="en-US" sz="1050" dirty="0" err="1" smtClean="0">
                 <a:solidFill>
-                  <a:schemeClr val="bg1"/>
+                  <a:schemeClr val="tx1"/>
                 </a:solidFill>
               </a:rPr>
               <a:t>TDbConnection</a:t>
@@ -3215,14 +3225,14 @@
             <a:r>
               <a:rPr lang="en-US" sz="1050" dirty="0" smtClean="0">
                 <a:solidFill>
-                  <a:schemeClr val="bg1"/>
+                  <a:schemeClr val="tx1"/>
                 </a:solidFill>
               </a:rPr>
               <a:t>&gt;</a:t>
             </a:r>
             <a:endParaRPr lang="en-US" sz="1050" dirty="0">
               <a:solidFill>
-                <a:schemeClr val="bg1"/>
+                <a:schemeClr val="tx1"/>
               </a:solidFill>
             </a:endParaRPr>
           </a:p>
@@ -3246,18 +3256,16 @@
         </p:spPr>
         <p:style>
           <a:lnRef idx="2">
-            <a:schemeClr val="accent6">
-              <a:shade val="50000"/>
-            </a:schemeClr>
+            <a:schemeClr val="accent3"/>
           </a:lnRef>
           <a:fillRef idx="1">
-            <a:schemeClr val="accent6"/>
+            <a:schemeClr val="lt1"/>
           </a:fillRef>
           <a:effectRef idx="0">
-            <a:schemeClr val="accent6"/>
+            <a:schemeClr val="accent3"/>
           </a:effectRef>
           <a:fontRef idx="minor">
-            <a:schemeClr val="lt1"/>
+            <a:schemeClr val="dk1"/>
           </a:fontRef>
         </p:style>
         <p:txBody>
@@ -3268,14 +3276,14 @@
             <a:r>
               <a:rPr lang="en-US" sz="1050" b="1" dirty="0" err="1" smtClean="0">
                 <a:solidFill>
-                  <a:schemeClr val="bg1"/>
+                  <a:schemeClr val="tx1"/>
                 </a:solidFill>
               </a:rPr>
               <a:t>BaseRepository</a:t>
             </a:r>
             <a:endParaRPr lang="en-US" sz="1050" b="1" dirty="0">
               <a:solidFill>
-                <a:schemeClr val="bg1"/>
+                <a:schemeClr val="tx1"/>
               </a:solidFill>
             </a:endParaRPr>
           </a:p>
@@ -3284,7 +3292,7 @@
             <a:r>
               <a:rPr lang="en-US" sz="1050" dirty="0" smtClean="0">
                 <a:solidFill>
-                  <a:schemeClr val="bg1"/>
+                  <a:schemeClr val="tx1"/>
                 </a:solidFill>
               </a:rPr>
               <a:t>&lt;</a:t>
@@ -3292,7 +3300,7 @@
             <a:r>
               <a:rPr lang="en-US" sz="1050" dirty="0" err="1" smtClean="0">
                 <a:solidFill>
-                  <a:schemeClr val="bg1"/>
+                  <a:schemeClr val="tx1"/>
                 </a:solidFill>
               </a:rPr>
               <a:t>TEntity</a:t>
@@ -3300,7 +3308,7 @@
             <a:r>
               <a:rPr lang="en-US" sz="1050" dirty="0" smtClean="0">
                 <a:solidFill>
-                  <a:schemeClr val="bg1"/>
+                  <a:schemeClr val="tx1"/>
                 </a:solidFill>
               </a:rPr>
               <a:t>, </a:t>
@@ -3308,7 +3316,7 @@
             <a:r>
               <a:rPr lang="en-US" sz="1050" dirty="0" err="1" smtClean="0">
                 <a:solidFill>
-                  <a:schemeClr val="bg1"/>
+                  <a:schemeClr val="tx1"/>
                 </a:solidFill>
               </a:rPr>
               <a:t>TDbConnection</a:t>
@@ -3316,14 +3324,14 @@
             <a:r>
               <a:rPr lang="en-US" sz="1050" dirty="0" smtClean="0">
                 <a:solidFill>
-                  <a:schemeClr val="bg1"/>
+                  <a:schemeClr val="tx1"/>
                 </a:solidFill>
               </a:rPr>
               <a:t>&gt;</a:t>
             </a:r>
             <a:endParaRPr lang="en-US" sz="1050" dirty="0">
               <a:solidFill>
-                <a:schemeClr val="bg1"/>
+                <a:schemeClr val="tx1"/>
               </a:solidFill>
             </a:endParaRPr>
           </a:p>
@@ -3347,18 +3355,16 @@
         </p:spPr>
         <p:style>
           <a:lnRef idx="2">
-            <a:schemeClr val="accent2">
-              <a:shade val="50000"/>
-            </a:schemeClr>
+            <a:schemeClr val="accent3"/>
           </a:lnRef>
           <a:fillRef idx="1">
-            <a:schemeClr val="accent2"/>
+            <a:schemeClr val="lt1"/>
           </a:fillRef>
           <a:effectRef idx="0">
-            <a:schemeClr val="accent2"/>
+            <a:schemeClr val="accent3"/>
           </a:effectRef>
           <a:fontRef idx="minor">
-            <a:schemeClr val="lt1"/>
+            <a:schemeClr val="dk1"/>
           </a:fontRef>
         </p:style>
         <p:txBody>
@@ -3369,14 +3375,14 @@
             <a:r>
               <a:rPr lang="en-US" sz="900" b="1" dirty="0" err="1" smtClean="0">
                 <a:solidFill>
-                  <a:schemeClr val="bg1"/>
+                  <a:schemeClr val="tx1"/>
                 </a:solidFill>
               </a:rPr>
               <a:t>ITrace</a:t>
             </a:r>
             <a:endParaRPr lang="en-US" sz="900" b="1" dirty="0">
               <a:solidFill>
-                <a:schemeClr val="bg1"/>
+                <a:schemeClr val="tx1"/>
               </a:solidFill>
             </a:endParaRPr>
           </a:p>
@@ -3385,7 +3391,7 @@
             <a:r>
               <a:rPr lang="en-US" sz="900" dirty="0" smtClean="0">
                 <a:solidFill>
-                  <a:schemeClr val="bg1"/>
+                  <a:schemeClr val="tx1"/>
                 </a:solidFill>
               </a:rPr>
               <a:t>(</a:t>
@@ -3393,7 +3399,7 @@
             <a:r>
               <a:rPr lang="en-US" sz="900" dirty="0" err="1" smtClean="0">
                 <a:solidFill>
-                  <a:schemeClr val="bg1"/>
+                  <a:schemeClr val="tx1"/>
                 </a:solidFill>
               </a:rPr>
               <a:t>BeforeInsert</a:t>
@@ -3401,7 +3407,7 @@
             <a:r>
               <a:rPr lang="en-US" sz="900" dirty="0" smtClean="0">
                 <a:solidFill>
-                  <a:schemeClr val="bg1"/>
+                  <a:schemeClr val="tx1"/>
                 </a:solidFill>
               </a:rPr>
               <a:t>, </a:t>
@@ -3409,7 +3415,7 @@
             <a:r>
               <a:rPr lang="en-US" sz="900" dirty="0" err="1" smtClean="0">
                 <a:solidFill>
-                  <a:schemeClr val="bg1"/>
+                  <a:schemeClr val="tx1"/>
                 </a:solidFill>
               </a:rPr>
               <a:t>AfterInsert</a:t>
@@ -3417,7 +3423,7 @@
             <a:r>
               <a:rPr lang="en-US" sz="900" dirty="0" smtClean="0">
                 <a:solidFill>
-                  <a:schemeClr val="bg1"/>
+                  <a:schemeClr val="tx1"/>
                 </a:solidFill>
               </a:rPr>
               <a:t>, </a:t>
@@ -3425,382 +3431,34 @@
             <a:r>
               <a:rPr lang="en-US" sz="900" dirty="0" err="1" smtClean="0">
                 <a:solidFill>
-                  <a:schemeClr val="bg1"/>
-                </a:solidFill>
-              </a:rPr>
-              <a:t>etc</a:t>
+                  <a:schemeClr val="tx1"/>
+                </a:solidFill>
+              </a:rPr>
+              <a:t>BeforeQuery</a:t>
             </a:r>
             <a:r>
               <a:rPr lang="en-US" sz="900" dirty="0" smtClean="0">
                 <a:solidFill>
-                  <a:schemeClr val="bg1"/>
-                </a:solidFill>
-              </a:rPr>
-              <a:t>)</a:t>
-            </a:r>
-            <a:endParaRPr lang="en-US" sz="900" dirty="0">
-              <a:solidFill>
-                <a:schemeClr val="bg1"/>
-              </a:solidFill>
-            </a:endParaRPr>
-          </a:p>
-        </p:txBody>
-      </p:sp>
-      <p:sp>
-        <p:nvSpPr>
-          <p:cNvPr id="12" name="Flowchart: Alternate Process 11"/>
-          <p:cNvSpPr/>
-          <p:nvPr/>
-        </p:nvSpPr>
-        <p:spPr>
-          <a:xfrm>
-            <a:off x="7308573" y="3225132"/>
-            <a:ext cx="1685925" cy="484061"/>
-          </a:xfrm>
-          <a:prstGeom prst="flowChartAlternateProcess">
-            <a:avLst/>
-          </a:prstGeom>
-          <a:ln/>
-        </p:spPr>
-        <p:style>
-          <a:lnRef idx="2">
-            <a:schemeClr val="accent4">
-              <a:shade val="50000"/>
-            </a:schemeClr>
-          </a:lnRef>
-          <a:fillRef idx="1">
-            <a:schemeClr val="accent4"/>
-          </a:fillRef>
-          <a:effectRef idx="0">
-            <a:schemeClr val="accent4"/>
-          </a:effectRef>
-          <a:fontRef idx="minor">
-            <a:schemeClr val="lt1"/>
-          </a:fontRef>
-        </p:style>
-        <p:txBody>
-          <a:bodyPr rtlCol="0" anchor="ctr"/>
-          <a:lstStyle/>
-          <a:p>
-            <a:pPr algn="ctr"/>
-            <a:r>
-              <a:rPr lang="en-US" sz="900" b="1" dirty="0" err="1" smtClean="0">
-                <a:solidFill>
-                  <a:schemeClr val="tx1">
-                    <a:lumMod val="75000"/>
-                    <a:lumOff val="25000"/>
-                  </a:schemeClr>
-                </a:solidFill>
-              </a:rPr>
-              <a:t>IDbOperationProvider</a:t>
-            </a:r>
-            <a:endParaRPr lang="en-US" sz="900" b="1" dirty="0" smtClean="0">
-              <a:solidFill>
-                <a:schemeClr val="tx1">
-                  <a:lumMod val="75000"/>
-                  <a:lumOff val="25000"/>
-                </a:schemeClr>
-              </a:solidFill>
-            </a:endParaRPr>
-          </a:p>
-          <a:p>
-            <a:pPr algn="ctr"/>
+                  <a:schemeClr val="tx1"/>
+                </a:solidFill>
+              </a:rPr>
+              <a:t>, </a:t>
+            </a:r>
+            <a:r>
+              <a:rPr lang="en-US" sz="900" dirty="0" err="1" smtClean="0">
+                <a:solidFill>
+                  <a:schemeClr val="tx1"/>
+                </a:solidFill>
+              </a:rPr>
+              <a:t>AfterQuery</a:t>
+            </a:r>
             <a:r>
               <a:rPr lang="en-US" sz="900" dirty="0" smtClean="0">
                 <a:solidFill>
-                  <a:schemeClr val="tx1">
-                    <a:lumMod val="75000"/>
-                    <a:lumOff val="25000"/>
-                  </a:schemeClr>
-                </a:solidFill>
-              </a:rPr>
-              <a:t>(</a:t>
-            </a:r>
-            <a:r>
-              <a:rPr lang="en-US" sz="900" dirty="0" err="1" smtClean="0">
-                <a:solidFill>
-                  <a:schemeClr val="tx1">
-                    <a:lumMod val="75000"/>
-                    <a:lumOff val="25000"/>
-                  </a:schemeClr>
-                </a:solidFill>
-              </a:rPr>
-              <a:t>Sql</a:t>
-            </a:r>
-            <a:r>
-              <a:rPr lang="en-US" sz="900" dirty="0" smtClean="0">
-                <a:solidFill>
-                  <a:schemeClr val="tx1">
-                    <a:lumMod val="75000"/>
-                    <a:lumOff val="25000"/>
-                  </a:schemeClr>
-                </a:solidFill>
-              </a:rPr>
-              <a:t>, Oracle, </a:t>
-            </a:r>
-            <a:r>
-              <a:rPr lang="en-US" sz="900" dirty="0" err="1" smtClean="0">
-                <a:solidFill>
-                  <a:schemeClr val="tx1">
-                    <a:lumMod val="75000"/>
-                    <a:lumOff val="25000"/>
-                  </a:schemeClr>
-                </a:solidFill>
-              </a:rPr>
-              <a:t>MySql</a:t>
-            </a:r>
-            <a:r>
-              <a:rPr lang="en-US" sz="900" dirty="0" smtClean="0">
-                <a:solidFill>
-                  <a:schemeClr val="tx1">
-                    <a:lumMod val="75000"/>
-                    <a:lumOff val="25000"/>
-                  </a:schemeClr>
-                </a:solidFill>
-              </a:rPr>
-              <a:t>, </a:t>
-            </a:r>
-            <a:r>
-              <a:rPr lang="en-US" sz="900" dirty="0" err="1" smtClean="0">
-                <a:solidFill>
-                  <a:schemeClr val="tx1">
-                    <a:lumMod val="75000"/>
-                    <a:lumOff val="25000"/>
-                  </a:schemeClr>
-                </a:solidFill>
-              </a:rPr>
-              <a:t>PostgreSql</a:t>
-            </a:r>
-            <a:r>
-              <a:rPr lang="en-US" sz="900" dirty="0" smtClean="0">
-                <a:solidFill>
-                  <a:schemeClr val="tx1">
-                    <a:lumMod val="75000"/>
-                    <a:lumOff val="25000"/>
-                  </a:schemeClr>
-                </a:solidFill>
-              </a:rPr>
-              <a:t>)</a:t>
-            </a:r>
-          </a:p>
-        </p:txBody>
-      </p:sp>
-      <p:sp>
-        <p:nvSpPr>
-          <p:cNvPr id="13" name="Flowchart: Alternate Process 12"/>
-          <p:cNvSpPr/>
-          <p:nvPr/>
-        </p:nvSpPr>
-        <p:spPr>
-          <a:xfrm>
-            <a:off x="4144663" y="4071788"/>
-            <a:ext cx="1685925" cy="733424"/>
-          </a:xfrm>
-          <a:prstGeom prst="flowChartAlternateProcess">
-            <a:avLst/>
-          </a:prstGeom>
-          <a:ln/>
-        </p:spPr>
-        <p:style>
-          <a:lnRef idx="2">
-            <a:schemeClr val="accent4">
-              <a:shade val="50000"/>
-            </a:schemeClr>
-          </a:lnRef>
-          <a:fillRef idx="1">
-            <a:schemeClr val="accent4"/>
-          </a:fillRef>
-          <a:effectRef idx="0">
-            <a:schemeClr val="accent4"/>
-          </a:effectRef>
-          <a:fontRef idx="minor">
-            <a:schemeClr val="lt1"/>
-          </a:fontRef>
-        </p:style>
-        <p:txBody>
-          <a:bodyPr rtlCol="0" anchor="ctr"/>
-          <a:lstStyle/>
-          <a:p>
-            <a:pPr algn="ctr"/>
-            <a:r>
-              <a:rPr lang="en-US" sz="900" dirty="0" err="1" smtClean="0">
-                <a:solidFill>
-                  <a:schemeClr val="tx1">
-                    <a:lumMod val="75000"/>
-                    <a:lumOff val="25000"/>
-                  </a:schemeClr>
-                </a:solidFill>
-              </a:rPr>
-              <a:t>ObjectCache</a:t>
-            </a:r>
-            <a:r>
-              <a:rPr lang="en-US" sz="900" dirty="0" smtClean="0">
-                <a:solidFill>
-                  <a:schemeClr val="tx1">
-                    <a:lumMod val="75000"/>
-                    <a:lumOff val="25000"/>
-                  </a:schemeClr>
-                </a:solidFill>
-              </a:rPr>
-              <a:t>(s)</a:t>
-            </a:r>
-          </a:p>
-          <a:p>
-            <a:pPr algn="ctr"/>
-            <a:r>
-              <a:rPr lang="en-US" sz="900" dirty="0" smtClean="0">
-                <a:solidFill>
-                  <a:schemeClr val="tx1">
-                    <a:lumMod val="75000"/>
-                    <a:lumOff val="25000"/>
-                  </a:schemeClr>
-                </a:solidFill>
-              </a:rPr>
-              <a:t>(</a:t>
-            </a:r>
-            <a:r>
-              <a:rPr lang="en-US" sz="900" dirty="0" err="1" smtClean="0">
-                <a:solidFill>
-                  <a:schemeClr val="tx1">
-                    <a:lumMod val="75000"/>
-                    <a:lumOff val="25000"/>
-                  </a:schemeClr>
-                </a:solidFill>
-              </a:rPr>
-              <a:t>CommandText</a:t>
-            </a:r>
-            <a:r>
-              <a:rPr lang="en-US" sz="900" dirty="0" smtClean="0">
-                <a:solidFill>
-                  <a:schemeClr val="tx1">
-                    <a:lumMod val="75000"/>
-                    <a:lumOff val="25000"/>
-                  </a:schemeClr>
-                </a:solidFill>
-              </a:rPr>
-              <a:t>, Columns, </a:t>
-            </a:r>
-            <a:r>
-              <a:rPr lang="en-US" sz="900" dirty="0" err="1" smtClean="0">
-                <a:solidFill>
-                  <a:schemeClr val="tx1">
-                    <a:lumMod val="75000"/>
-                    <a:lumOff val="25000"/>
-                  </a:schemeClr>
-                </a:solidFill>
-              </a:rPr>
-              <a:t>ExecutionContext</a:t>
-            </a:r>
-            <a:r>
-              <a:rPr lang="en-US" sz="900" dirty="0" smtClean="0">
-                <a:solidFill>
-                  <a:schemeClr val="tx1">
-                    <a:lumMod val="75000"/>
-                    <a:lumOff val="25000"/>
-                  </a:schemeClr>
-                </a:solidFill>
-              </a:rPr>
-              <a:t>, Property, Mappings, </a:t>
-            </a:r>
-            <a:r>
-              <a:rPr lang="en-US" sz="900" dirty="0" err="1" smtClean="0">
-                <a:solidFill>
-                  <a:schemeClr val="tx1">
-                    <a:lumMod val="75000"/>
-                    <a:lumOff val="25000"/>
-                  </a:schemeClr>
-                </a:solidFill>
-              </a:rPr>
-              <a:t>etc</a:t>
-            </a:r>
-            <a:r>
-              <a:rPr lang="en-US" sz="900" dirty="0" smtClean="0">
-                <a:solidFill>
-                  <a:schemeClr val="tx1">
-                    <a:lumMod val="75000"/>
-                    <a:lumOff val="25000"/>
-                  </a:schemeClr>
-                </a:solidFill>
-              </a:rPr>
-              <a:t>)</a:t>
-            </a:r>
-            <a:endParaRPr lang="en-US" sz="900" dirty="0">
-              <a:solidFill>
-                <a:schemeClr val="tx1">
-                  <a:lumMod val="75000"/>
-                  <a:lumOff val="25000"/>
-                </a:schemeClr>
-              </a:solidFill>
-            </a:endParaRPr>
-          </a:p>
-        </p:txBody>
-      </p:sp>
-      <p:sp>
-        <p:nvSpPr>
-          <p:cNvPr id="14" name="Flowchart: Alternate Process 13"/>
-          <p:cNvSpPr/>
-          <p:nvPr/>
-        </p:nvSpPr>
-        <p:spPr>
-          <a:xfrm>
-            <a:off x="1487602" y="3221400"/>
-            <a:ext cx="1366842" cy="484061"/>
-          </a:xfrm>
-          <a:prstGeom prst="flowChartAlternateProcess">
-            <a:avLst/>
-          </a:prstGeom>
-          <a:solidFill>
-            <a:schemeClr val="bg1">
-              <a:lumMod val="95000"/>
-            </a:schemeClr>
-          </a:solidFill>
-          <a:ln>
-            <a:solidFill>
-              <a:schemeClr val="bg1">
-                <a:lumMod val="85000"/>
-              </a:schemeClr>
-            </a:solidFill>
-          </a:ln>
-        </p:spPr>
-        <p:style>
-          <a:lnRef idx="2">
-            <a:schemeClr val="accent3">
-              <a:shade val="50000"/>
-            </a:schemeClr>
-          </a:lnRef>
-          <a:fillRef idx="1">
-            <a:schemeClr val="accent3"/>
-          </a:fillRef>
-          <a:effectRef idx="0">
-            <a:schemeClr val="accent3"/>
-          </a:effectRef>
-          <a:fontRef idx="minor">
-            <a:schemeClr val="lt1"/>
-          </a:fontRef>
-        </p:style>
-        <p:txBody>
-          <a:bodyPr rtlCol="0" anchor="ctr"/>
-          <a:lstStyle/>
-          <a:p>
-            <a:pPr algn="ctr"/>
-            <a:r>
-              <a:rPr lang="en-US" sz="900" dirty="0" smtClean="0">
-                <a:solidFill>
-                  <a:schemeClr val="tx1"/>
-                </a:solidFill>
-              </a:rPr>
-              <a:t>Helper Methods:</a:t>
-            </a:r>
-          </a:p>
-          <a:p>
-            <a:pPr algn="ctr"/>
-            <a:r>
-              <a:rPr lang="en-US" sz="900" dirty="0" err="1" smtClean="0">
-                <a:solidFill>
-                  <a:schemeClr val="tx1"/>
-                </a:solidFill>
-              </a:rPr>
-              <a:t>GetFields</a:t>
+                  <a:schemeClr val="tx1"/>
+                </a:solidFill>
+              </a:rPr>
+              <a:t>, …)</a:t>
             </a:r>
             <a:endParaRPr lang="en-US" sz="900" dirty="0">
               <a:solidFill>
@@ -3812,45 +3470,32 @@
       </p:sp>
       <p:sp>
         <p:nvSpPr>
-          <p:cNvPr id="18" name="Flowchart: Alternate Process 17"/>
+          <p:cNvPr id="12" name="Flowchart: Alternate Process 11"/>
           <p:cNvSpPr/>
           <p:nvPr/>
         </p:nvSpPr>
         <p:spPr>
           <a:xfrm>
-            <a:off x="9353786" y="3225731"/>
-            <a:ext cx="1518049" cy="484061"/>
+            <a:off x="7308573" y="3225132"/>
+            <a:ext cx="1685925" cy="484061"/>
           </a:xfrm>
           <a:prstGeom prst="flowChartAlternateProcess">
             <a:avLst/>
           </a:prstGeom>
-          <a:solidFill>
-            <a:schemeClr val="bg1">
-              <a:lumMod val="95000"/>
-            </a:schemeClr>
-          </a:solidFill>
-          <a:ln>
-            <a:solidFill>
-              <a:schemeClr val="bg1">
-                <a:lumMod val="85000"/>
-              </a:schemeClr>
-            </a:solidFill>
-          </a:ln>
+          <a:ln/>
         </p:spPr>
         <p:style>
           <a:lnRef idx="2">
-            <a:schemeClr val="accent3">
-              <a:shade val="50000"/>
-            </a:schemeClr>
+            <a:schemeClr val="accent3"/>
           </a:lnRef>
           <a:fillRef idx="1">
-            <a:schemeClr val="accent3"/>
+            <a:schemeClr val="lt1"/>
           </a:fillRef>
           <a:effectRef idx="0">
             <a:schemeClr val="accent3"/>
           </a:effectRef>
           <a:fontRef idx="minor">
-            <a:schemeClr val="lt1"/>
+            <a:schemeClr val="dk1"/>
           </a:fontRef>
         </p:style>
         <p:txBody>
@@ -3859,14 +3504,129 @@
           <a:p>
             <a:pPr algn="ctr"/>
             <a:r>
+              <a:rPr lang="en-US" sz="900" b="1" dirty="0" err="1" smtClean="0">
+                <a:solidFill>
+                  <a:schemeClr val="tx1"/>
+                </a:solidFill>
+              </a:rPr>
+              <a:t>IDbSetting</a:t>
+            </a:r>
+            <a:endParaRPr lang="en-US" sz="900" b="1" dirty="0" smtClean="0">
+              <a:solidFill>
+                <a:schemeClr val="tx1"/>
+              </a:solidFill>
+            </a:endParaRPr>
+          </a:p>
+          <a:p>
+            <a:pPr algn="ctr"/>
+            <a:r>
               <a:rPr lang="en-US" sz="900" dirty="0" smtClean="0">
                 <a:solidFill>
                   <a:schemeClr val="tx1"/>
                 </a:solidFill>
               </a:rPr>
-              <a:t>DB Specific Operations:</a:t>
-            </a:r>
-          </a:p>
+              <a:t>(</a:t>
+            </a:r>
+            <a:r>
+              <a:rPr lang="en-US" sz="900" dirty="0" err="1" smtClean="0">
+                <a:solidFill>
+                  <a:schemeClr val="tx1"/>
+                </a:solidFill>
+              </a:rPr>
+              <a:t>SqlServer</a:t>
+            </a:r>
+            <a:r>
+              <a:rPr lang="en-US" sz="900" dirty="0" smtClean="0">
+                <a:solidFill>
+                  <a:schemeClr val="tx1"/>
+                </a:solidFill>
+              </a:rPr>
+              <a:t>, </a:t>
+            </a:r>
+            <a:r>
+              <a:rPr lang="en-US" sz="900" dirty="0" err="1" smtClean="0">
+                <a:solidFill>
+                  <a:schemeClr val="tx1"/>
+                </a:solidFill>
+              </a:rPr>
+              <a:t>SqLite</a:t>
+            </a:r>
+            <a:r>
+              <a:rPr lang="en-US" sz="900" dirty="0" smtClean="0">
+                <a:solidFill>
+                  <a:schemeClr val="tx1"/>
+                </a:solidFill>
+              </a:rPr>
+              <a:t>, </a:t>
+            </a:r>
+            <a:r>
+              <a:rPr lang="en-US" sz="900" dirty="0" err="1" smtClean="0">
+                <a:solidFill>
+                  <a:schemeClr val="tx1"/>
+                </a:solidFill>
+              </a:rPr>
+              <a:t>MySql</a:t>
+            </a:r>
+            <a:r>
+              <a:rPr lang="en-US" sz="900" dirty="0" smtClean="0">
+                <a:solidFill>
+                  <a:schemeClr val="tx1"/>
+                </a:solidFill>
+              </a:rPr>
+              <a:t>, </a:t>
+            </a:r>
+            <a:r>
+              <a:rPr lang="en-US" sz="900" dirty="0" err="1" smtClean="0">
+                <a:solidFill>
+                  <a:schemeClr val="tx1"/>
+                </a:solidFill>
+              </a:rPr>
+              <a:t>PostgreSql</a:t>
+            </a:r>
+            <a:r>
+              <a:rPr lang="en-US" sz="900" dirty="0" smtClean="0">
+                <a:solidFill>
+                  <a:schemeClr val="tx1"/>
+                </a:solidFill>
+              </a:rPr>
+              <a:t>)</a:t>
+            </a:r>
+          </a:p>
+        </p:txBody>
+      </p:sp>
+      <p:sp>
+        <p:nvSpPr>
+          <p:cNvPr id="13" name="Flowchart: Alternate Process 12"/>
+          <p:cNvSpPr/>
+          <p:nvPr/>
+        </p:nvSpPr>
+        <p:spPr>
+          <a:xfrm>
+            <a:off x="4144663" y="4071788"/>
+            <a:ext cx="1685925" cy="733424"/>
+          </a:xfrm>
+          <a:prstGeom prst="flowChartAlternateProcess">
+            <a:avLst/>
+          </a:prstGeom>
+          <a:ln/>
+        </p:spPr>
+        <p:style>
+          <a:lnRef idx="2">
+            <a:schemeClr val="accent3"/>
+          </a:lnRef>
+          <a:fillRef idx="1">
+            <a:schemeClr val="lt1"/>
+          </a:fillRef>
+          <a:effectRef idx="0">
+            <a:schemeClr val="accent3"/>
+          </a:effectRef>
+          <a:fontRef idx="minor">
+            <a:schemeClr val="dk1"/>
+          </a:fontRef>
+        </p:style>
+        <p:txBody>
+          <a:bodyPr rtlCol="0" anchor="ctr"/>
+          <a:lstStyle/>
           <a:p>
             <a:pPr algn="ctr"/>
             <a:r>
@@ -3875,7 +3635,74 @@
                   <a:schemeClr val="tx1"/>
                 </a:solidFill>
               </a:rPr>
-              <a:t>BulkInsert</a:t>
+              <a:t>ObjectCache</a:t>
+            </a:r>
+            <a:r>
+              <a:rPr lang="en-US" sz="900" dirty="0" smtClean="0">
+                <a:solidFill>
+                  <a:schemeClr val="tx1"/>
+                </a:solidFill>
+              </a:rPr>
+              <a:t>(s)</a:t>
+            </a:r>
+          </a:p>
+          <a:p>
+            <a:pPr algn="ctr"/>
+            <a:r>
+              <a:rPr lang="en-US" sz="900" dirty="0" smtClean="0">
+                <a:solidFill>
+                  <a:schemeClr val="tx1"/>
+                </a:solidFill>
+              </a:rPr>
+              <a:t>(</a:t>
+            </a:r>
+            <a:r>
+              <a:rPr lang="en-US" sz="900" dirty="0" err="1" smtClean="0">
+                <a:solidFill>
+                  <a:schemeClr val="tx1"/>
+                </a:solidFill>
+              </a:rPr>
+              <a:t>CommandText</a:t>
+            </a:r>
+            <a:r>
+              <a:rPr lang="en-US" sz="900" dirty="0" smtClean="0">
+                <a:solidFill>
+                  <a:schemeClr val="tx1"/>
+                </a:solidFill>
+              </a:rPr>
+              <a:t>, Columns, </a:t>
+            </a:r>
+            <a:r>
+              <a:rPr lang="en-US" sz="900" dirty="0" err="1" smtClean="0">
+                <a:solidFill>
+                  <a:schemeClr val="tx1"/>
+                </a:solidFill>
+              </a:rPr>
+              <a:t>ExecutionContext</a:t>
+            </a:r>
+            <a:r>
+              <a:rPr lang="en-US" sz="900" dirty="0" smtClean="0">
+                <a:solidFill>
+                  <a:schemeClr val="tx1"/>
+                </a:solidFill>
+              </a:rPr>
+              <a:t>, Property, Mappings, </a:t>
+            </a:r>
+            <a:r>
+              <a:rPr lang="en-US" sz="900" dirty="0" err="1" smtClean="0">
+                <a:solidFill>
+                  <a:schemeClr val="tx1"/>
+                </a:solidFill>
+              </a:rPr>
+              <a:t>etc</a:t>
+            </a:r>
+            <a:r>
+              <a:rPr lang="en-US" sz="900" dirty="0" smtClean="0">
+                <a:solidFill>
+                  <a:schemeClr val="tx1"/>
+                </a:solidFill>
+              </a:rPr>
+              <a:t>)</a:t>
             </a:r>
             <a:endParaRPr lang="en-US" sz="900" dirty="0">
               <a:solidFill>
@@ -3887,14 +3714,14 @@
       </p:sp>
       <p:sp>
         <p:nvSpPr>
-          <p:cNvPr id="24" name="Flowchart: Alternate Process 23"/>
+          <p:cNvPr id="14" name="Flowchart: Alternate Process 13"/>
           <p:cNvSpPr/>
           <p:nvPr/>
         </p:nvSpPr>
         <p:spPr>
           <a:xfrm>
-            <a:off x="2823559" y="799469"/>
-            <a:ext cx="1685925" cy="484061"/>
+            <a:off x="1487602" y="3221400"/>
+            <a:ext cx="1366842" cy="484061"/>
           </a:xfrm>
           <a:prstGeom prst="flowChartAlternateProcess">
             <a:avLst/>
@@ -3903,18 +3730,16 @@
         </p:spPr>
         <p:style>
           <a:lnRef idx="2">
-            <a:schemeClr val="accent2">
-              <a:shade val="50000"/>
-            </a:schemeClr>
+            <a:schemeClr val="accent3"/>
           </a:lnRef>
           <a:fillRef idx="1">
-            <a:schemeClr val="accent2"/>
+            <a:schemeClr val="lt1"/>
           </a:fillRef>
           <a:effectRef idx="0">
-            <a:schemeClr val="accent2"/>
+            <a:schemeClr val="accent3"/>
           </a:effectRef>
           <a:fontRef idx="minor">
-            <a:schemeClr val="lt1"/>
+            <a:schemeClr val="dk1"/>
           </a:fontRef>
         </p:style>
         <p:txBody>
@@ -3923,80 +3748,43 @@
           <a:p>
             <a:pPr algn="ctr"/>
             <a:r>
-              <a:rPr lang="en-US" sz="900" b="1" dirty="0" err="1" smtClean="0">
-                <a:solidFill>
-                  <a:schemeClr val="bg1"/>
-                </a:solidFill>
-              </a:rPr>
-              <a:t>IStatementBuilder</a:t>
-            </a:r>
-            <a:endParaRPr lang="en-US" sz="900" b="1" dirty="0" smtClean="0">
+              <a:rPr lang="en-US" sz="900" b="1" dirty="0" smtClean="0">
+                <a:solidFill>
+                  <a:schemeClr val="tx1"/>
+                </a:solidFill>
+              </a:rPr>
+              <a:t>Helper Methods:</a:t>
+            </a:r>
+          </a:p>
+          <a:p>
+            <a:pPr algn="ctr"/>
+            <a:r>
+              <a:rPr lang="en-US" sz="900" dirty="0" err="1" smtClean="0">
+                <a:solidFill>
+                  <a:schemeClr val="tx1"/>
+                </a:solidFill>
+              </a:rPr>
+              <a:t>GetFields</a:t>
+            </a:r>
+            <a:endParaRPr lang="en-US" sz="900" dirty="0" smtClean="0">
               <a:solidFill>
-                <a:schemeClr val="bg1"/>
+                <a:schemeClr val="tx1"/>
               </a:solidFill>
             </a:endParaRPr>
           </a:p>
           <a:p>
             <a:pPr algn="ctr"/>
             <a:r>
-              <a:rPr lang="en-US" sz="900" dirty="0" smtClean="0">
-                <a:solidFill>
-                  <a:schemeClr val="bg1"/>
-                </a:solidFill>
-              </a:rPr>
-              <a:t>(</a:t>
-            </a:r>
-            <a:r>
               <a:rPr lang="en-US" sz="900" dirty="0" err="1" smtClean="0">
                 <a:solidFill>
-                  <a:schemeClr val="bg1"/>
-                </a:solidFill>
-              </a:rPr>
-              <a:t>Sql</a:t>
-            </a:r>
-            <a:r>
-              <a:rPr lang="en-US" sz="900" dirty="0" smtClean="0">
-                <a:solidFill>
-                  <a:schemeClr val="bg1"/>
-                </a:solidFill>
-              </a:rPr>
-              <a:t>, Oracle, </a:t>
-            </a:r>
-            <a:r>
-              <a:rPr lang="en-US" sz="900" dirty="0" err="1" smtClean="0">
-                <a:solidFill>
-                  <a:schemeClr val="bg1"/>
-                </a:solidFill>
-              </a:rPr>
-              <a:t>MySql</a:t>
-            </a:r>
-            <a:r>
-              <a:rPr lang="en-US" sz="900" dirty="0" smtClean="0">
-                <a:solidFill>
-                  <a:schemeClr val="bg1"/>
-                </a:solidFill>
-              </a:rPr>
-              <a:t>, </a:t>
-            </a:r>
-            <a:r>
-              <a:rPr lang="en-US" sz="900" dirty="0" err="1" smtClean="0">
-                <a:solidFill>
-                  <a:schemeClr val="bg1"/>
-                </a:solidFill>
-              </a:rPr>
-              <a:t>PostgreSql</a:t>
-            </a:r>
-            <a:r>
-              <a:rPr lang="en-US" sz="900" dirty="0" smtClean="0">
-                <a:solidFill>
-                  <a:schemeClr val="bg1"/>
-                </a:solidFill>
-              </a:rPr>
-              <a:t>)</a:t>
+                  <a:schemeClr val="tx1"/>
+                </a:solidFill>
+              </a:rPr>
+              <a:t>GetScopeIdentity</a:t>
             </a:r>
             <a:endParaRPr lang="en-US" sz="900" dirty="0">
               <a:solidFill>
-                <a:schemeClr val="bg1"/>
+                <a:schemeClr val="tx1"/>
               </a:solidFill>
             </a:endParaRPr>
           </a:p>
@@ -4004,14 +3792,14 @@
       </p:sp>
       <p:sp>
         <p:nvSpPr>
-          <p:cNvPr id="25" name="Flowchart: Alternate Process 24"/>
+          <p:cNvPr id="18" name="Flowchart: Alternate Process 17"/>
           <p:cNvSpPr/>
           <p:nvPr/>
         </p:nvSpPr>
         <p:spPr>
           <a:xfrm>
-            <a:off x="5258944" y="804329"/>
-            <a:ext cx="1685925" cy="484061"/>
+            <a:off x="9353786" y="3225731"/>
+            <a:ext cx="1518049" cy="484061"/>
           </a:xfrm>
           <a:prstGeom prst="flowChartAlternateProcess">
             <a:avLst/>
@@ -4020,18 +3808,16 @@
         </p:spPr>
         <p:style>
           <a:lnRef idx="2">
-            <a:schemeClr val="accent2">
-              <a:shade val="50000"/>
-            </a:schemeClr>
+            <a:schemeClr val="accent3"/>
           </a:lnRef>
           <a:fillRef idx="1">
-            <a:schemeClr val="accent2"/>
+            <a:schemeClr val="lt1"/>
           </a:fillRef>
           <a:effectRef idx="0">
-            <a:schemeClr val="accent2"/>
+            <a:schemeClr val="accent3"/>
           </a:effectRef>
           <a:fontRef idx="minor">
-            <a:schemeClr val="lt1"/>
+            <a:schemeClr val="dk1"/>
           </a:fontRef>
         </p:style>
         <p:txBody>
@@ -4040,16 +3826,16 @@
           <a:p>
             <a:pPr algn="ctr"/>
             <a:r>
-              <a:rPr lang="en-US" sz="900" b="1" dirty="0" err="1" smtClean="0">
-                <a:solidFill>
-                  <a:schemeClr val="bg1"/>
-                </a:solidFill>
-              </a:rPr>
-              <a:t>ICache</a:t>
-            </a:r>
-            <a:endParaRPr lang="en-US" sz="900" b="1" dirty="0">
+              <a:rPr lang="en-US" sz="900" b="1" dirty="0" smtClean="0">
+                <a:solidFill>
+                  <a:schemeClr val="tx1"/>
+                </a:solidFill>
+              </a:rPr>
+              <a:t>Settings Properties:</a:t>
+            </a:r>
+            <a:endParaRPr lang="en-US" sz="900" b="1" dirty="0" smtClean="0">
               <a:solidFill>
-                <a:schemeClr val="bg1"/>
+                <a:schemeClr val="tx1"/>
               </a:solidFill>
             </a:endParaRPr>
           </a:p>
@@ -4058,62 +3844,14 @@
             <a:r>
               <a:rPr lang="en-US" sz="900" dirty="0" smtClean="0">
                 <a:solidFill>
-                  <a:schemeClr val="bg1"/>
-                </a:solidFill>
-              </a:rPr>
-              <a:t>(</a:t>
-            </a:r>
-            <a:r>
-              <a:rPr lang="en-US" sz="900" dirty="0" err="1" smtClean="0">
-                <a:solidFill>
-                  <a:schemeClr val="bg1"/>
-                </a:solidFill>
-              </a:rPr>
-              <a:t>MemoryCache</a:t>
-            </a:r>
-            <a:r>
-              <a:rPr lang="en-US" sz="900" dirty="0" smtClean="0">
-                <a:solidFill>
-                  <a:schemeClr val="bg1"/>
-                </a:solidFill>
-              </a:rPr>
-              <a:t>, </a:t>
-            </a:r>
-            <a:r>
-              <a:rPr lang="en-US" sz="900" dirty="0" err="1" smtClean="0">
-                <a:solidFill>
-                  <a:schemeClr val="bg1"/>
-                </a:solidFill>
-              </a:rPr>
-              <a:t>FileCache</a:t>
-            </a:r>
-            <a:r>
-              <a:rPr lang="en-US" sz="900" dirty="0" smtClean="0">
-                <a:solidFill>
-                  <a:schemeClr val="bg1"/>
-                </a:solidFill>
-              </a:rPr>
-              <a:t>, </a:t>
-            </a:r>
-            <a:r>
-              <a:rPr lang="en-US" sz="900" dirty="0" err="1" smtClean="0">
-                <a:solidFill>
-                  <a:schemeClr val="bg1"/>
-                </a:solidFill>
-              </a:rPr>
-              <a:t>etc</a:t>
-            </a:r>
-            <a:r>
-              <a:rPr lang="en-US" sz="900" dirty="0" smtClean="0">
-                <a:solidFill>
-                  <a:schemeClr val="bg1"/>
-                </a:solidFill>
-              </a:rPr>
-              <a:t>)</a:t>
+                  <a:schemeClr val="tx1"/>
+                </a:solidFill>
+              </a:rPr>
+              <a:t>Quotes, Schema, Prefixes, Separators, …</a:t>
             </a:r>
             <a:endParaRPr lang="en-US" sz="900" dirty="0">
               <a:solidFill>
-                <a:schemeClr val="bg1"/>
+                <a:schemeClr val="tx1"/>
               </a:solidFill>
             </a:endParaRPr>
           </a:p>
@@ -4121,13 +3859,13 @@
       </p:sp>
       <p:sp>
         <p:nvSpPr>
-          <p:cNvPr id="26" name="Flowchart: Alternate Process 25"/>
+          <p:cNvPr id="24" name="Flowchart: Alternate Process 23"/>
           <p:cNvSpPr/>
           <p:nvPr/>
         </p:nvSpPr>
         <p:spPr>
           <a:xfrm>
-            <a:off x="3218147" y="3221397"/>
+            <a:off x="2823559" y="799469"/>
             <a:ext cx="1685925" cy="484061"/>
           </a:xfrm>
           <a:prstGeom prst="flowChartAlternateProcess">
@@ -4137,18 +3875,16 @@
         </p:spPr>
         <p:style>
           <a:lnRef idx="2">
-            <a:schemeClr val="accent4">
-              <a:shade val="50000"/>
-            </a:schemeClr>
+            <a:schemeClr val="accent3"/>
           </a:lnRef>
           <a:fillRef idx="1">
-            <a:schemeClr val="accent4"/>
+            <a:schemeClr val="lt1"/>
           </a:fillRef>
           <a:effectRef idx="0">
-            <a:schemeClr val="accent4"/>
+            <a:schemeClr val="accent3"/>
           </a:effectRef>
           <a:fontRef idx="minor">
-            <a:schemeClr val="lt1"/>
+            <a:schemeClr val="dk1"/>
           </a:fontRef>
         </p:style>
         <p:txBody>
@@ -4159,20 +3895,14 @@
             <a:r>
               <a:rPr lang="en-US" sz="900" b="1" dirty="0" err="1" smtClean="0">
                 <a:solidFill>
-                  <a:schemeClr val="tx1">
-                    <a:lumMod val="75000"/>
-                    <a:lumOff val="25000"/>
-                  </a:schemeClr>
-                </a:solidFill>
-              </a:rPr>
-              <a:t>IDbHelper</a:t>
-            </a:r>
-            <a:endParaRPr lang="en-US" sz="900" b="1" dirty="0">
+                  <a:schemeClr val="tx1"/>
+                </a:solidFill>
+              </a:rPr>
+              <a:t>IStatementBuilder</a:t>
+            </a:r>
+            <a:endParaRPr lang="en-US" sz="900" b="1" dirty="0" smtClean="0">
               <a:solidFill>
-                <a:schemeClr val="tx1">
-                  <a:lumMod val="75000"/>
-                  <a:lumOff val="25000"/>
-                </a:schemeClr>
+                <a:schemeClr val="tx1"/>
               </a:solidFill>
             </a:endParaRPr>
           </a:p>
@@ -4181,10 +3911,7 @@
             <a:r>
               <a:rPr lang="en-US" sz="900" dirty="0" smtClean="0">
                 <a:solidFill>
-                  <a:schemeClr val="tx1">
-                    <a:lumMod val="75000"/>
-                    <a:lumOff val="25000"/>
-                  </a:schemeClr>
+                  <a:schemeClr val="tx1"/>
                 </a:solidFill>
               </a:rPr>
               <a:t>(</a:t>
@@ -4192,32 +3919,39 @@
             <a:r>
               <a:rPr lang="en-US" sz="900" dirty="0" err="1" smtClean="0">
                 <a:solidFill>
-                  <a:schemeClr val="tx1">
-                    <a:lumMod val="75000"/>
-                    <a:lumOff val="25000"/>
-                  </a:schemeClr>
-                </a:solidFill>
-              </a:rPr>
-              <a:t>Sql</a:t>
+                  <a:schemeClr val="tx1"/>
+                </a:solidFill>
+              </a:rPr>
+              <a:t>SqlServer</a:t>
             </a:r>
             <a:r>
               <a:rPr lang="en-US" sz="900" dirty="0" smtClean="0">
                 <a:solidFill>
-                  <a:schemeClr val="tx1">
-                    <a:lumMod val="75000"/>
-                    <a:lumOff val="25000"/>
-                  </a:schemeClr>
-                </a:solidFill>
-              </a:rPr>
-              <a:t>, Oracle, </a:t>
+                  <a:schemeClr val="tx1"/>
+                </a:solidFill>
+              </a:rPr>
+              <a:t>, </a:t>
             </a:r>
             <a:r>
               <a:rPr lang="en-US" sz="900" dirty="0" err="1" smtClean="0">
                 <a:solidFill>
-                  <a:schemeClr val="tx1">
-                    <a:lumMod val="75000"/>
-                    <a:lumOff val="25000"/>
-                  </a:schemeClr>
+                  <a:schemeClr val="tx1"/>
+                </a:solidFill>
+              </a:rPr>
+              <a:t>SqLite</a:t>
+            </a:r>
+            <a:r>
+              <a:rPr lang="en-US" sz="900" dirty="0" smtClean="0">
+                <a:solidFill>
+                  <a:schemeClr val="tx1"/>
+                </a:solidFill>
+              </a:rPr>
+              <a:t>, </a:t>
+            </a:r>
+            <a:r>
+              <a:rPr lang="en-US" sz="900" dirty="0" err="1" smtClean="0">
+                <a:solidFill>
+                  <a:schemeClr val="tx1"/>
                 </a:solidFill>
               </a:rPr>
               <a:t>MySql</a:t>
@@ -4225,10 +3959,7 @@
             <a:r>
               <a:rPr lang="en-US" sz="900" dirty="0" smtClean="0">
                 <a:solidFill>
-                  <a:schemeClr val="tx1">
-                    <a:lumMod val="75000"/>
-                    <a:lumOff val="25000"/>
-                  </a:schemeClr>
+                  <a:schemeClr val="tx1"/>
                 </a:solidFill>
               </a:rPr>
               <a:t>, </a:t>
@@ -4236,10 +3967,7 @@
             <a:r>
               <a:rPr lang="en-US" sz="900" dirty="0" err="1" smtClean="0">
                 <a:solidFill>
-                  <a:schemeClr val="tx1">
-                    <a:lumMod val="75000"/>
-                    <a:lumOff val="25000"/>
-                  </a:schemeClr>
+                  <a:schemeClr val="tx1"/>
                 </a:solidFill>
               </a:rPr>
               <a:t>PostgreSql</a:t>
@@ -4247,20 +3975,14 @@
             <a:r>
               <a:rPr lang="en-US" sz="900" dirty="0" smtClean="0">
                 <a:solidFill>
-                  <a:schemeClr val="tx1">
-                    <a:lumMod val="75000"/>
-                    <a:lumOff val="25000"/>
-                  </a:schemeClr>
+                  <a:schemeClr val="tx1"/>
                 </a:solidFill>
               </a:rPr>
               <a:t>)</a:t>
             </a:r>
             <a:endParaRPr lang="en-US" sz="900" dirty="0">
               <a:solidFill>
-                <a:schemeClr val="tx1">
-                  <a:lumMod val="75000"/>
-                  <a:lumOff val="25000"/>
-                </a:schemeClr>
+                <a:schemeClr val="tx1"/>
               </a:solidFill>
             </a:endParaRPr>
           </a:p>
@@ -4268,14 +3990,14 @@
       </p:sp>
       <p:sp>
         <p:nvSpPr>
-          <p:cNvPr id="27" name="Flowchart: Alternate Process 26"/>
+          <p:cNvPr id="25" name="Flowchart: Alternate Process 24"/>
           <p:cNvSpPr/>
           <p:nvPr/>
         </p:nvSpPr>
         <p:spPr>
           <a:xfrm>
-            <a:off x="6362517" y="4071788"/>
-            <a:ext cx="1685925" cy="733424"/>
+            <a:off x="5258944" y="804329"/>
+            <a:ext cx="1685925" cy="484061"/>
           </a:xfrm>
           <a:prstGeom prst="flowChartAlternateProcess">
             <a:avLst/>
@@ -4284,18 +4006,16 @@
         </p:spPr>
         <p:style>
           <a:lnRef idx="2">
-            <a:schemeClr val="accent4">
-              <a:shade val="50000"/>
-            </a:schemeClr>
+            <a:schemeClr val="accent3"/>
           </a:lnRef>
           <a:fillRef idx="1">
-            <a:schemeClr val="accent4"/>
+            <a:schemeClr val="lt1"/>
           </a:fillRef>
           <a:effectRef idx="0">
-            <a:schemeClr val="accent4"/>
+            <a:schemeClr val="accent3"/>
           </a:effectRef>
           <a:fontRef idx="minor">
-            <a:schemeClr val="lt1"/>
+            <a:schemeClr val="dk1"/>
           </a:fontRef>
         </p:style>
         <p:txBody>
@@ -4304,113 +4024,80 @@
           <a:p>
             <a:pPr algn="ctr"/>
             <a:r>
+              <a:rPr lang="en-US" sz="900" b="1" dirty="0" err="1" smtClean="0">
+                <a:solidFill>
+                  <a:schemeClr val="tx1"/>
+                </a:solidFill>
+              </a:rPr>
+              <a:t>ICache</a:t>
+            </a:r>
+            <a:endParaRPr lang="en-US" sz="900" b="1" dirty="0">
+              <a:solidFill>
+                <a:schemeClr val="tx1"/>
+              </a:solidFill>
+            </a:endParaRPr>
+          </a:p>
+          <a:p>
+            <a:pPr algn="ctr"/>
+            <a:r>
+              <a:rPr lang="en-US" sz="900" dirty="0" smtClean="0">
+                <a:solidFill>
+                  <a:schemeClr val="tx1"/>
+                </a:solidFill>
+              </a:rPr>
+              <a:t>(</a:t>
+            </a:r>
+            <a:r>
               <a:rPr lang="en-US" sz="900" dirty="0" err="1" smtClean="0">
                 <a:solidFill>
-                  <a:schemeClr val="tx1">
-                    <a:lumMod val="75000"/>
-                    <a:lumOff val="25000"/>
-                  </a:schemeClr>
-                </a:solidFill>
-              </a:rPr>
-              <a:t>ExtendedOperation</a:t>
+                  <a:schemeClr val="tx1"/>
+                </a:solidFill>
+              </a:rPr>
+              <a:t>MemoryCache</a:t>
             </a:r>
             <a:r>
               <a:rPr lang="en-US" sz="900" dirty="0" smtClean="0">
                 <a:solidFill>
-                  <a:schemeClr val="tx1">
-                    <a:lumMod val="75000"/>
-                    <a:lumOff val="25000"/>
-                  </a:schemeClr>
-                </a:solidFill>
-              </a:rPr>
-              <a:t>(s)</a:t>
-            </a:r>
-          </a:p>
-          <a:p>
-            <a:pPr algn="ctr"/>
+                  <a:schemeClr val="tx1"/>
+                </a:solidFill>
+              </a:rPr>
+              <a:t>, </a:t>
+            </a:r>
+            <a:r>
+              <a:rPr lang="en-US" sz="900" dirty="0" err="1" smtClean="0">
+                <a:solidFill>
+                  <a:schemeClr val="tx1"/>
+                </a:solidFill>
+              </a:rPr>
+              <a:t>FileCache</a:t>
+            </a:r>
             <a:r>
               <a:rPr lang="en-US" sz="900" dirty="0" smtClean="0">
                 <a:solidFill>
-                  <a:schemeClr val="tx1">
-                    <a:lumMod val="75000"/>
-                    <a:lumOff val="25000"/>
-                  </a:schemeClr>
-                </a:solidFill>
-              </a:rPr>
-              <a:t>(</a:t>
+                  <a:schemeClr val="tx1"/>
+                </a:solidFill>
+              </a:rPr>
+              <a:t>, </a:t>
             </a:r>
             <a:r>
               <a:rPr lang="en-US" sz="900" dirty="0" err="1" smtClean="0">
                 <a:solidFill>
-                  <a:schemeClr val="tx1">
-                    <a:lumMod val="75000"/>
-                    <a:lumOff val="25000"/>
-                  </a:schemeClr>
-                </a:solidFill>
-              </a:rPr>
-              <a:t>BatchQuery</a:t>
+                  <a:schemeClr val="tx1"/>
+                </a:solidFill>
+              </a:rPr>
+              <a:t>SqLiteCache</a:t>
             </a:r>
             <a:r>
               <a:rPr lang="en-US" sz="900" dirty="0" smtClean="0">
                 <a:solidFill>
-                  <a:schemeClr val="tx1">
-                    <a:lumMod val="75000"/>
-                    <a:lumOff val="25000"/>
-                  </a:schemeClr>
-                </a:solidFill>
-              </a:rPr>
-              <a:t>, </a:t>
-            </a:r>
-            <a:r>
-              <a:rPr lang="en-US" sz="900" dirty="0" err="1" smtClean="0">
-                <a:solidFill>
-                  <a:schemeClr val="tx1">
-                    <a:lumMod val="75000"/>
-                    <a:lumOff val="25000"/>
-                  </a:schemeClr>
-                </a:solidFill>
-              </a:rPr>
-              <a:t>BulkInsert</a:t>
-            </a:r>
-            <a:r>
-              <a:rPr lang="en-US" sz="900" dirty="0" smtClean="0">
-                <a:solidFill>
-                  <a:schemeClr val="tx1">
-                    <a:lumMod val="75000"/>
-                    <a:lumOff val="25000"/>
-                  </a:schemeClr>
-                </a:solidFill>
-              </a:rPr>
-              <a:t>, Count, Delete, Insert, Merge, Query, Update, Truncate, </a:t>
-            </a:r>
-            <a:r>
-              <a:rPr lang="en-US" sz="900" dirty="0" err="1" smtClean="0">
-                <a:solidFill>
-                  <a:schemeClr val="tx1">
-                    <a:lumMod val="75000"/>
-                    <a:lumOff val="25000"/>
-                  </a:schemeClr>
-                </a:solidFill>
-              </a:rPr>
-              <a:t>etc</a:t>
-            </a:r>
-            <a:r>
-              <a:rPr lang="en-US" sz="900" dirty="0" smtClean="0">
-                <a:solidFill>
-                  <a:schemeClr val="tx1">
-                    <a:lumMod val="75000"/>
-                    <a:lumOff val="25000"/>
-                  </a:schemeClr>
-                </a:solidFill>
-              </a:rPr>
-              <a:t>)</a:t>
+                  <a:schemeClr val="tx1"/>
+                </a:solidFill>
+              </a:rPr>
+              <a:t>, …)</a:t>
             </a:r>
             <a:endParaRPr lang="en-US" sz="900" dirty="0">
               <a:solidFill>
-                <a:schemeClr val="tx1">
-                  <a:lumMod val="75000"/>
-                  <a:lumOff val="25000"/>
-                </a:schemeClr>
+                <a:schemeClr val="tx1"/>
               </a:solidFill>
             </a:endParaRPr>
           </a:p>
@@ -4418,13 +4105,13 @@
       </p:sp>
       <p:sp>
         <p:nvSpPr>
-          <p:cNvPr id="28" name="Flowchart: Alternate Process 27"/>
+          <p:cNvPr id="26" name="Flowchart: Alternate Process 25"/>
           <p:cNvSpPr/>
           <p:nvPr/>
         </p:nvSpPr>
         <p:spPr>
           <a:xfrm>
-            <a:off x="1492017" y="1924154"/>
+            <a:off x="3218147" y="3221397"/>
             <a:ext cx="1685925" cy="484061"/>
           </a:xfrm>
           <a:prstGeom prst="flowChartAlternateProcess">
@@ -4434,18 +4121,16 @@
         </p:spPr>
         <p:style>
           <a:lnRef idx="2">
-            <a:schemeClr val="accent4">
-              <a:shade val="50000"/>
-            </a:schemeClr>
+            <a:schemeClr val="accent3"/>
           </a:lnRef>
           <a:fillRef idx="1">
-            <a:schemeClr val="accent4"/>
+            <a:schemeClr val="lt1"/>
           </a:fillRef>
           <a:effectRef idx="0">
-            <a:schemeClr val="accent4"/>
+            <a:schemeClr val="accent3"/>
           </a:effectRef>
           <a:fontRef idx="minor">
-            <a:schemeClr val="lt1"/>
+            <a:schemeClr val="dk1"/>
           </a:fontRef>
         </p:style>
         <p:txBody>
@@ -4456,20 +4141,263 @@
             <a:r>
               <a:rPr lang="en-US" sz="900" b="1" dirty="0" err="1" smtClean="0">
                 <a:solidFill>
-                  <a:schemeClr val="tx1">
-                    <a:lumMod val="75000"/>
-                    <a:lumOff val="25000"/>
-                  </a:schemeClr>
+                  <a:schemeClr val="tx1"/>
+                </a:solidFill>
+              </a:rPr>
+              <a:t>IDbHelper</a:t>
+            </a:r>
+            <a:endParaRPr lang="en-US" sz="900" b="1" dirty="0">
+              <a:solidFill>
+                <a:schemeClr val="tx1"/>
+              </a:solidFill>
+            </a:endParaRPr>
+          </a:p>
+          <a:p>
+            <a:pPr algn="ctr"/>
+            <a:r>
+              <a:rPr lang="en-US" sz="900" dirty="0" smtClean="0">
+                <a:solidFill>
+                  <a:schemeClr val="tx1"/>
+                </a:solidFill>
+              </a:rPr>
+              <a:t>(</a:t>
+            </a:r>
+            <a:r>
+              <a:rPr lang="en-US" sz="900" dirty="0" err="1" smtClean="0">
+                <a:solidFill>
+                  <a:schemeClr val="tx1"/>
+                </a:solidFill>
+              </a:rPr>
+              <a:t>SqlServer</a:t>
+            </a:r>
+            <a:r>
+              <a:rPr lang="en-US" sz="900" dirty="0" smtClean="0">
+                <a:solidFill>
+                  <a:schemeClr val="tx1"/>
+                </a:solidFill>
+              </a:rPr>
+              <a:t>, </a:t>
+            </a:r>
+            <a:r>
+              <a:rPr lang="en-US" sz="900" dirty="0" err="1" smtClean="0">
+                <a:solidFill>
+                  <a:schemeClr val="tx1"/>
+                </a:solidFill>
+              </a:rPr>
+              <a:t>SqLite</a:t>
+            </a:r>
+            <a:r>
+              <a:rPr lang="en-US" sz="900" dirty="0" smtClean="0">
+                <a:solidFill>
+                  <a:schemeClr val="tx1"/>
+                </a:solidFill>
+              </a:rPr>
+              <a:t>, </a:t>
+            </a:r>
+            <a:r>
+              <a:rPr lang="en-US" sz="900" dirty="0" err="1" smtClean="0">
+                <a:solidFill>
+                  <a:schemeClr val="tx1"/>
+                </a:solidFill>
+              </a:rPr>
+              <a:t>MySql</a:t>
+            </a:r>
+            <a:r>
+              <a:rPr lang="en-US" sz="900" dirty="0" smtClean="0">
+                <a:solidFill>
+                  <a:schemeClr val="tx1"/>
+                </a:solidFill>
+              </a:rPr>
+              <a:t>, </a:t>
+            </a:r>
+            <a:r>
+              <a:rPr lang="en-US" sz="900" dirty="0" err="1" smtClean="0">
+                <a:solidFill>
+                  <a:schemeClr val="tx1"/>
+                </a:solidFill>
+              </a:rPr>
+              <a:t>PostgreSql</a:t>
+            </a:r>
+            <a:r>
+              <a:rPr lang="en-US" sz="900" dirty="0" smtClean="0">
+                <a:solidFill>
+                  <a:schemeClr val="tx1"/>
+                </a:solidFill>
+              </a:rPr>
+              <a:t>)</a:t>
+            </a:r>
+            <a:endParaRPr lang="en-US" sz="900" dirty="0">
+              <a:solidFill>
+                <a:schemeClr val="tx1"/>
+              </a:solidFill>
+            </a:endParaRPr>
+          </a:p>
+        </p:txBody>
+      </p:sp>
+      <p:sp>
+        <p:nvSpPr>
+          <p:cNvPr id="27" name="Flowchart: Alternate Process 26"/>
+          <p:cNvSpPr/>
+          <p:nvPr/>
+        </p:nvSpPr>
+        <p:spPr>
+          <a:xfrm>
+            <a:off x="6362517" y="4071788"/>
+            <a:ext cx="1685925" cy="733424"/>
+          </a:xfrm>
+          <a:prstGeom prst="flowChartAlternateProcess">
+            <a:avLst/>
+          </a:prstGeom>
+          <a:ln/>
+        </p:spPr>
+        <p:style>
+          <a:lnRef idx="2">
+            <a:schemeClr val="accent3"/>
+          </a:lnRef>
+          <a:fillRef idx="1">
+            <a:schemeClr val="lt1"/>
+          </a:fillRef>
+          <a:effectRef idx="0">
+            <a:schemeClr val="accent3"/>
+          </a:effectRef>
+          <a:fontRef idx="minor">
+            <a:schemeClr val="dk1"/>
+          </a:fontRef>
+        </p:style>
+        <p:txBody>
+          <a:bodyPr rtlCol="0" anchor="ctr"/>
+          <a:lstStyle/>
+          <a:p>
+            <a:pPr algn="ctr"/>
+            <a:r>
+              <a:rPr lang="en-US" sz="900" dirty="0" err="1" smtClean="0">
+                <a:solidFill>
+                  <a:schemeClr val="tx1"/>
+                </a:solidFill>
+              </a:rPr>
+              <a:t>ExtendedOperation</a:t>
+            </a:r>
+            <a:r>
+              <a:rPr lang="en-US" sz="900" dirty="0" smtClean="0">
+                <a:solidFill>
+                  <a:schemeClr val="tx1"/>
+                </a:solidFill>
+              </a:rPr>
+              <a:t>(s)</a:t>
+            </a:r>
+          </a:p>
+          <a:p>
+            <a:pPr algn="ctr"/>
+            <a:r>
+              <a:rPr lang="en-US" sz="900" dirty="0" smtClean="0">
+                <a:solidFill>
+                  <a:schemeClr val="tx1"/>
+                </a:solidFill>
+              </a:rPr>
+              <a:t>(</a:t>
+            </a:r>
+            <a:r>
+              <a:rPr lang="en-US" sz="900" dirty="0" err="1" smtClean="0">
+                <a:solidFill>
+                  <a:schemeClr val="tx1"/>
+                </a:solidFill>
+              </a:rPr>
+              <a:t>BatchQuery</a:t>
+            </a:r>
+            <a:r>
+              <a:rPr lang="en-US" sz="900" dirty="0" smtClean="0">
+                <a:solidFill>
+                  <a:schemeClr val="tx1"/>
+                </a:solidFill>
+              </a:rPr>
+              <a:t>, </a:t>
+            </a:r>
+            <a:r>
+              <a:rPr lang="en-US" sz="900" dirty="0" err="1" smtClean="0">
+                <a:solidFill>
+                  <a:schemeClr val="tx1"/>
+                </a:solidFill>
+              </a:rPr>
+              <a:t>BulkInsert</a:t>
+            </a:r>
+            <a:r>
+              <a:rPr lang="en-US" sz="900" dirty="0" smtClean="0">
+                <a:solidFill>
+                  <a:schemeClr val="tx1"/>
+                </a:solidFill>
+              </a:rPr>
+              <a:t>, Count, Delete, Insert, Merge, Query, Update, Truncate, </a:t>
+            </a:r>
+            <a:r>
+              <a:rPr lang="en-US" sz="900" dirty="0" err="1" smtClean="0">
+                <a:solidFill>
+                  <a:schemeClr val="tx1"/>
+                </a:solidFill>
+              </a:rPr>
+              <a:t>etc</a:t>
+            </a:r>
+            <a:r>
+              <a:rPr lang="en-US" sz="900" dirty="0" smtClean="0">
+                <a:solidFill>
+                  <a:schemeClr val="tx1"/>
+                </a:solidFill>
+              </a:rPr>
+              <a:t>)</a:t>
+            </a:r>
+            <a:endParaRPr lang="en-US" sz="900" dirty="0">
+              <a:solidFill>
+                <a:schemeClr val="tx1"/>
+              </a:solidFill>
+            </a:endParaRPr>
+          </a:p>
+        </p:txBody>
+      </p:sp>
+      <p:sp>
+        <p:nvSpPr>
+          <p:cNvPr id="28" name="Flowchart: Alternate Process 27"/>
+          <p:cNvSpPr/>
+          <p:nvPr/>
+        </p:nvSpPr>
+        <p:spPr>
+          <a:xfrm>
+            <a:off x="1492017" y="1924154"/>
+            <a:ext cx="1685925" cy="484061"/>
+          </a:xfrm>
+          <a:prstGeom prst="flowChartAlternateProcess">
+            <a:avLst/>
+          </a:prstGeom>
+          <a:ln/>
+        </p:spPr>
+        <p:style>
+          <a:lnRef idx="2">
+            <a:schemeClr val="accent3"/>
+          </a:lnRef>
+          <a:fillRef idx="1">
+            <a:schemeClr val="lt1"/>
+          </a:fillRef>
+          <a:effectRef idx="0">
+            <a:schemeClr val="accent3"/>
+          </a:effectRef>
+          <a:fontRef idx="minor">
+            <a:schemeClr val="dk1"/>
+          </a:fontRef>
+        </p:style>
+        <p:txBody>
+          <a:bodyPr rtlCol="0" anchor="ctr"/>
+          <a:lstStyle/>
+          <a:p>
+            <a:pPr algn="ctr"/>
+            <a:r>
+              <a:rPr lang="en-US" sz="900" b="1" dirty="0" err="1" smtClean="0">
+                <a:solidFill>
+                  <a:schemeClr val="tx1"/>
                 </a:solidFill>
               </a:rPr>
               <a:t>IResolver</a:t>
             </a:r>
             <a:endParaRPr lang="en-US" sz="900" b="1" dirty="0" smtClean="0">
               <a:solidFill>
-                <a:schemeClr val="tx1">
-                  <a:lumMod val="75000"/>
-                  <a:lumOff val="25000"/>
-                </a:schemeClr>
+                <a:schemeClr val="tx1"/>
               </a:solidFill>
             </a:endParaRPr>
           </a:p>
@@ -4478,10 +4406,7 @@
             <a:r>
               <a:rPr lang="en-US" sz="900" dirty="0" smtClean="0">
                 <a:solidFill>
-                  <a:schemeClr val="tx1">
-                    <a:lumMod val="75000"/>
-                    <a:lumOff val="25000"/>
-                  </a:schemeClr>
+                  <a:schemeClr val="tx1"/>
                 </a:solidFill>
               </a:rPr>
               <a:t>(</a:t>
@@ -4489,10 +4414,7 @@
             <a:r>
               <a:rPr lang="en-US" sz="900" dirty="0" err="1" smtClean="0">
                 <a:solidFill>
-                  <a:schemeClr val="tx1">
-                    <a:lumMod val="75000"/>
-                    <a:lumOff val="25000"/>
-                  </a:schemeClr>
+                  <a:schemeClr val="tx1"/>
                 </a:solidFill>
               </a:rPr>
               <a:t>TypeResolver</a:t>
@@ -4500,10 +4422,7 @@
             <a:r>
               <a:rPr lang="en-US" sz="900" dirty="0" smtClean="0">
                 <a:solidFill>
-                  <a:schemeClr val="tx1">
-                    <a:lumMod val="75000"/>
-                    <a:lumOff val="25000"/>
-                  </a:schemeClr>
+                  <a:schemeClr val="tx1"/>
                 </a:solidFill>
               </a:rPr>
               <a:t>, </a:t>
@@ -4511,10 +4430,7 @@
             <a:r>
               <a:rPr lang="en-US" sz="900" dirty="0" err="1" smtClean="0">
                 <a:solidFill>
-                  <a:schemeClr val="tx1">
-                    <a:lumMod val="75000"/>
-                    <a:lumOff val="25000"/>
-                  </a:schemeClr>
+                  <a:schemeClr val="tx1"/>
                 </a:solidFill>
               </a:rPr>
               <a:t>NameResolver</a:t>
@@ -4522,20 +4438,14 @@
             <a:r>
               <a:rPr lang="en-US" sz="900" dirty="0" smtClean="0">
                 <a:solidFill>
-                  <a:schemeClr val="tx1">
-                    <a:lumMod val="75000"/>
-                    <a:lumOff val="25000"/>
-                  </a:schemeClr>
+                  <a:schemeClr val="tx1"/>
                 </a:solidFill>
               </a:rPr>
               <a:t>)</a:t>
             </a:r>
             <a:endParaRPr lang="en-US" sz="900" dirty="0">
               <a:solidFill>
-                <a:schemeClr val="tx1">
-                  <a:lumMod val="75000"/>
-                  <a:lumOff val="25000"/>
-                </a:schemeClr>
+                <a:schemeClr val="tx1"/>
               </a:solidFill>
             </a:endParaRPr>
           </a:p>
@@ -4560,26 +4470,20 @@
               <a:gd name="adj1" fmla="val 50000"/>
             </a:avLst>
           </a:prstGeom>
-          <a:ln w="12700">
-            <a:solidFill>
-              <a:schemeClr val="tx1"/>
-            </a:solidFill>
-            <a:prstDash val="dash"/>
-          </a:ln>
-          <a:effectLst/>
+          <a:ln/>
         </p:spPr>
         <p:style>
-          <a:lnRef idx="1">
-            <a:schemeClr val="accent1"/>
+          <a:lnRef idx="2">
+            <a:schemeClr val="accent3"/>
           </a:lnRef>
-          <a:fillRef idx="0">
-            <a:schemeClr val="accent1"/>
+          <a:fillRef idx="1">
+            <a:schemeClr val="lt1"/>
           </a:fillRef>
           <a:effectRef idx="0">
-            <a:schemeClr val="accent1"/>
+            <a:schemeClr val="accent3"/>
           </a:effectRef>
           <a:fontRef idx="minor">
-            <a:schemeClr val="tx1"/>
+            <a:schemeClr val="dk1"/>
           </a:fontRef>
         </p:style>
       </p:cxnSp>
@@ -4602,26 +4506,20 @@
               <a:gd name="adj1" fmla="val 50000"/>
             </a:avLst>
           </a:prstGeom>
-          <a:ln w="12700">
-            <a:solidFill>
-              <a:schemeClr val="tx1"/>
-            </a:solidFill>
-            <a:prstDash val="dash"/>
-          </a:ln>
-          <a:effectLst/>
+          <a:ln/>
         </p:spPr>
         <p:style>
-          <a:lnRef idx="1">
-            <a:schemeClr val="accent1"/>
+          <a:lnRef idx="2">
+            <a:schemeClr val="accent3"/>
           </a:lnRef>
-          <a:fillRef idx="0">
-            <a:schemeClr val="accent1"/>
+          <a:fillRef idx="1">
+            <a:schemeClr val="lt1"/>
           </a:fillRef>
           <a:effectRef idx="0">
-            <a:schemeClr val="accent1"/>
+            <a:schemeClr val="accent3"/>
           </a:effectRef>
           <a:fontRef idx="minor">
-            <a:schemeClr val="tx1"/>
+            <a:schemeClr val="dk1"/>
           </a:fontRef>
         </p:style>
       </p:cxnSp>
@@ -4644,26 +4542,20 @@
               <a:gd name="adj1" fmla="val 50000"/>
             </a:avLst>
           </a:prstGeom>
-          <a:ln w="12700">
-            <a:solidFill>
-              <a:schemeClr val="tx1"/>
-            </a:solidFill>
-            <a:prstDash val="dash"/>
-          </a:ln>
-          <a:effectLst/>
+          <a:ln/>
         </p:spPr>
         <p:style>
-          <a:lnRef idx="1">
-            <a:schemeClr val="accent1"/>
+          <a:lnRef idx="2">
+            <a:schemeClr val="accent3"/>
           </a:lnRef>
-          <a:fillRef idx="0">
-            <a:schemeClr val="accent1"/>
+          <a:fillRef idx="1">
+            <a:schemeClr val="lt1"/>
           </a:fillRef>
           <a:effectRef idx="0">
-            <a:schemeClr val="accent1"/>
+            <a:schemeClr val="accent3"/>
           </a:effectRef>
           <a:fontRef idx="minor">
-            <a:schemeClr val="tx1"/>
+            <a:schemeClr val="dk1"/>
           </a:fontRef>
         </p:style>
       </p:cxnSp>
@@ -4684,26 +4576,20 @@
           <a:prstGeom prst="bentConnector2">
             <a:avLst/>
           </a:prstGeom>
-          <a:ln w="12700">
-            <a:solidFill>
-              <a:schemeClr val="tx1"/>
-            </a:solidFill>
-            <a:prstDash val="dash"/>
-          </a:ln>
-          <a:effectLst/>
+          <a:ln/>
         </p:spPr>
         <p:style>
-          <a:lnRef idx="1">
-            <a:schemeClr val="accent1"/>
+          <a:lnRef idx="2">
+            <a:schemeClr val="accent3"/>
           </a:lnRef>
-          <a:fillRef idx="0">
-            <a:schemeClr val="accent1"/>
+          <a:fillRef idx="1">
+            <a:schemeClr val="lt1"/>
           </a:fillRef>
           <a:effectRef idx="0">
-            <a:schemeClr val="accent1"/>
+            <a:schemeClr val="accent3"/>
           </a:effectRef>
           <a:fontRef idx="minor">
-            <a:schemeClr val="tx1"/>
+            <a:schemeClr val="dk1"/>
           </a:fontRef>
         </p:style>
       </p:cxnSp>
@@ -4724,26 +4610,20 @@
           <a:prstGeom prst="bentConnector2">
             <a:avLst/>
           </a:prstGeom>
-          <a:ln w="12700">
-            <a:solidFill>
-              <a:schemeClr val="tx1"/>
-            </a:solidFill>
-            <a:prstDash val="dash"/>
-          </a:ln>
-          <a:effectLst/>
+          <a:ln/>
         </p:spPr>
         <p:style>
-          <a:lnRef idx="1">
-            <a:schemeClr val="accent1"/>
+          <a:lnRef idx="2">
+            <a:schemeClr val="accent3"/>
           </a:lnRef>
-          <a:fillRef idx="0">
-            <a:schemeClr val="accent1"/>
+          <a:fillRef idx="1">
+            <a:schemeClr val="lt1"/>
           </a:fillRef>
           <a:effectRef idx="0">
-            <a:schemeClr val="accent1"/>
+            <a:schemeClr val="accent3"/>
           </a:effectRef>
           <a:fontRef idx="minor">
-            <a:schemeClr val="tx1"/>
+            <a:schemeClr val="dk1"/>
           </a:fontRef>
         </p:style>
       </p:cxnSp>
@@ -4766,26 +4646,20 @@
               <a:gd name="adj1" fmla="val 50000"/>
             </a:avLst>
           </a:prstGeom>
-          <a:ln w="12700">
-            <a:solidFill>
-              <a:schemeClr val="tx1"/>
-            </a:solidFill>
-            <a:prstDash val="dash"/>
-          </a:ln>
-          <a:effectLst/>
+          <a:ln/>
         </p:spPr>
         <p:style>
-          <a:lnRef idx="1">
-            <a:schemeClr val="accent1"/>
+          <a:lnRef idx="2">
+            <a:schemeClr val="accent3"/>
           </a:lnRef>
-          <a:fillRef idx="0">
-            <a:schemeClr val="accent1"/>
+          <a:fillRef idx="1">
+            <a:schemeClr val="lt1"/>
           </a:fillRef>
           <a:effectRef idx="0">
-            <a:schemeClr val="accent1"/>
+            <a:schemeClr val="accent3"/>
           </a:effectRef>
           <a:fontRef idx="minor">
-            <a:schemeClr val="tx1"/>
+            <a:schemeClr val="dk1"/>
           </a:fontRef>
         </p:style>
       </p:cxnSp>
@@ -4808,26 +4682,20 @@
               <a:gd name="adj1" fmla="val 50000"/>
             </a:avLst>
           </a:prstGeom>
-          <a:ln w="12700">
-            <a:solidFill>
-              <a:schemeClr val="tx1"/>
-            </a:solidFill>
-            <a:prstDash val="dash"/>
-          </a:ln>
-          <a:effectLst/>
+          <a:ln/>
         </p:spPr>
         <p:style>
-          <a:lnRef idx="1">
-            <a:schemeClr val="accent1"/>
+          <a:lnRef idx="2">
+            <a:schemeClr val="accent3"/>
           </a:lnRef>
-          <a:fillRef idx="0">
-            <a:schemeClr val="accent1"/>
+          <a:fillRef idx="1">
+            <a:schemeClr val="lt1"/>
           </a:fillRef>
           <a:effectRef idx="0">
-            <a:schemeClr val="accent1"/>
+            <a:schemeClr val="accent3"/>
           </a:effectRef>
           <a:fontRef idx="minor">
-            <a:schemeClr val="tx1"/>
+            <a:schemeClr val="dk1"/>
           </a:fontRef>
         </p:style>
       </p:cxnSp>
@@ -4850,26 +4718,20 @@
               <a:gd name="adj1" fmla="val 50000"/>
             </a:avLst>
           </a:prstGeom>
-          <a:ln w="12700">
-            <a:solidFill>
-              <a:schemeClr val="tx1"/>
-            </a:solidFill>
-            <a:prstDash val="dash"/>
-          </a:ln>
-          <a:effectLst/>
+          <a:ln/>
         </p:spPr>
         <p:style>
-          <a:lnRef idx="1">
-            <a:schemeClr val="accent1"/>
+          <a:lnRef idx="2">
+            <a:schemeClr val="accent3"/>
           </a:lnRef>
-          <a:fillRef idx="0">
-            <a:schemeClr val="accent1"/>
+          <a:fillRef idx="1">
+            <a:schemeClr val="lt1"/>
           </a:fillRef>
           <a:effectRef idx="0">
-            <a:schemeClr val="accent1"/>
+            <a:schemeClr val="accent3"/>
           </a:effectRef>
           <a:fontRef idx="minor">
-            <a:schemeClr val="tx1"/>
+            <a:schemeClr val="dk1"/>
           </a:fontRef>
         </p:style>
       </p:cxnSp>
@@ -4892,26 +4754,20 @@
               <a:gd name="adj1" fmla="val 50000"/>
             </a:avLst>
           </a:prstGeom>
-          <a:ln w="12700">
-            <a:solidFill>
-              <a:schemeClr val="tx1"/>
-            </a:solidFill>
-            <a:prstDash val="dash"/>
-          </a:ln>
-          <a:effectLst/>
+          <a:ln/>
         </p:spPr>
         <p:style>
-          <a:lnRef idx="1">
-            <a:schemeClr val="accent1"/>
+          <a:lnRef idx="2">
+            <a:schemeClr val="accent3"/>
           </a:lnRef>
-          <a:fillRef idx="0">
-            <a:schemeClr val="accent1"/>
+          <a:fillRef idx="1">
+            <a:schemeClr val="lt1"/>
           </a:fillRef>
           <a:effectRef idx="0">
-            <a:schemeClr val="accent1"/>
+            <a:schemeClr val="accent3"/>
           </a:effectRef>
           <a:fontRef idx="minor">
-            <a:schemeClr val="tx1"/>
+            <a:schemeClr val="dk1"/>
           </a:fontRef>
         </p:style>
       </p:cxnSp>
@@ -4934,26 +4790,20 @@
               <a:gd name="adj1" fmla="val 50000"/>
             </a:avLst>
           </a:prstGeom>
-          <a:ln w="12700">
-            <a:solidFill>
-              <a:schemeClr val="tx1"/>
-            </a:solidFill>
-            <a:prstDash val="dash"/>
-          </a:ln>
-          <a:effectLst/>
+          <a:ln/>
         </p:spPr>
         <p:style>
-          <a:lnRef idx="1">
-            <a:schemeClr val="accent1"/>
+          <a:lnRef idx="2">
+            <a:schemeClr val="accent3"/>
           </a:lnRef>
-          <a:fillRef idx="0">
-            <a:schemeClr val="accent1"/>
+          <a:fillRef idx="1">
+            <a:schemeClr val="lt1"/>
           </a:fillRef>
           <a:effectRef idx="0">
-            <a:schemeClr val="accent1"/>
+            <a:schemeClr val="accent3"/>
           </a:effectRef>
           <a:fontRef idx="minor">
-            <a:schemeClr val="tx1"/>
+            <a:schemeClr val="dk1"/>
           </a:fontRef>
         </p:style>
       </p:cxnSp>
@@ -4976,26 +4826,20 @@
               <a:gd name="adj1" fmla="val 50000"/>
             </a:avLst>
           </a:prstGeom>
-          <a:ln w="12700">
-            <a:solidFill>
-              <a:schemeClr val="tx1"/>
-            </a:solidFill>
-            <a:prstDash val="dash"/>
-          </a:ln>
-          <a:effectLst/>
+          <a:ln/>
         </p:spPr>
         <p:style>
-          <a:lnRef idx="1">
-            <a:schemeClr val="accent1"/>
+          <a:lnRef idx="2">
+            <a:schemeClr val="accent3"/>
           </a:lnRef>
-          <a:fillRef idx="0">
-            <a:schemeClr val="accent1"/>
+          <a:fillRef idx="1">
+            <a:schemeClr val="lt1"/>
           </a:fillRef>
           <a:effectRef idx="0">
-            <a:schemeClr val="accent1"/>
+            <a:schemeClr val="accent3"/>
           </a:effectRef>
           <a:fontRef idx="minor">
-            <a:schemeClr val="tx1"/>
+            <a:schemeClr val="dk1"/>
           </a:fontRef>
         </p:style>
       </p:cxnSp>
@@ -5016,26 +4860,20 @@
           <a:prstGeom prst="bentConnector2">
             <a:avLst/>
           </a:prstGeom>
-          <a:ln w="12700">
-            <a:solidFill>
-              <a:schemeClr val="tx1"/>
-            </a:solidFill>
-            <a:prstDash val="dash"/>
-          </a:ln>
-          <a:effectLst/>
+          <a:ln/>
         </p:spPr>
         <p:style>
-          <a:lnRef idx="1">
-            <a:schemeClr val="accent1"/>
+          <a:lnRef idx="2">
+            <a:schemeClr val="accent3"/>
           </a:lnRef>
-          <a:fillRef idx="0">
-            <a:schemeClr val="accent1"/>
+          <a:fillRef idx="1">
+            <a:schemeClr val="lt1"/>
           </a:fillRef>
           <a:effectRef idx="0">
-            <a:schemeClr val="accent1"/>
+            <a:schemeClr val="accent3"/>
           </a:effectRef>
           <a:fontRef idx="minor">
-            <a:schemeClr val="tx1"/>
+            <a:schemeClr val="dk1"/>
           </a:fontRef>
         </p:style>
       </p:cxnSp>
@@ -5058,26 +4896,20 @@
               <a:gd name="adj1" fmla="val 50000"/>
             </a:avLst>
           </a:prstGeom>
-          <a:ln w="12700">
-            <a:solidFill>
-              <a:schemeClr val="tx1"/>
-            </a:solidFill>
-            <a:prstDash val="dash"/>
-          </a:ln>
-          <a:effectLst/>
+          <a:ln/>
         </p:spPr>
         <p:style>
-          <a:lnRef idx="1">
-            <a:schemeClr val="accent1"/>
+          <a:lnRef idx="2">
+            <a:schemeClr val="accent3"/>
           </a:lnRef>
-          <a:fillRef idx="0">
-            <a:schemeClr val="accent1"/>
+          <a:fillRef idx="1">
+            <a:schemeClr val="lt1"/>
           </a:fillRef>
           <a:effectRef idx="0">
-            <a:schemeClr val="accent1"/>
+            <a:schemeClr val="accent3"/>
           </a:effectRef>
           <a:fontRef idx="minor">
-            <a:schemeClr val="tx1"/>
+            <a:schemeClr val="dk1"/>
           </a:fontRef>
         </p:style>
       </p:cxnSp>
@@ -5100,26 +4932,20 @@
               <a:gd name="adj1" fmla="val 50000"/>
             </a:avLst>
           </a:prstGeom>
-          <a:ln w="12700">
-            <a:solidFill>
-              <a:schemeClr val="tx1"/>
-            </a:solidFill>
-            <a:prstDash val="dash"/>
-          </a:ln>
-          <a:effectLst/>
+          <a:ln/>
         </p:spPr>
         <p:style>
-          <a:lnRef idx="1">
-            <a:schemeClr val="accent1"/>
+          <a:lnRef idx="2">
+            <a:schemeClr val="accent3"/>
           </a:lnRef>
-          <a:fillRef idx="0">
-            <a:schemeClr val="accent1"/>
+          <a:fillRef idx="1">
+            <a:schemeClr val="lt1"/>
           </a:fillRef>
           <a:effectRef idx="0">
-            <a:schemeClr val="accent1"/>
+            <a:schemeClr val="accent3"/>
           </a:effectRef>
           <a:fontRef idx="minor">
-            <a:schemeClr val="tx1"/>
+            <a:schemeClr val="dk1"/>
           </a:fontRef>
         </p:style>
       </p:cxnSp>
@@ -5140,26 +4966,20 @@
           <a:prstGeom prst="bentConnector2">
             <a:avLst/>
           </a:prstGeom>
-          <a:ln w="12700">
-            <a:solidFill>
-              <a:schemeClr val="tx1"/>
-            </a:solidFill>
-            <a:prstDash val="dash"/>
-          </a:ln>
-          <a:effectLst/>
+          <a:ln/>
         </p:spPr>
         <p:style>
-          <a:lnRef idx="1">
-            <a:schemeClr val="accent1"/>
+          <a:lnRef idx="2">
+            <a:schemeClr val="accent3"/>
           </a:lnRef>
-          <a:fillRef idx="0">
-            <a:schemeClr val="accent1"/>
+          <a:fillRef idx="1">
+            <a:schemeClr val="lt1"/>
           </a:fillRef>
           <a:effectRef idx="0">
-            <a:schemeClr val="accent1"/>
+            <a:schemeClr val="accent3"/>
           </a:effectRef>
           <a:fontRef idx="minor">
-            <a:schemeClr val="tx1"/>
+            <a:schemeClr val="dk1"/>
           </a:fontRef>
         </p:style>
       </p:cxnSp>
@@ -5180,26 +5000,20 @@
           <a:prstGeom prst="bentConnector2">
             <a:avLst/>
           </a:prstGeom>
-          <a:ln w="12700">
-            <a:solidFill>
-              <a:schemeClr val="tx1"/>
-            </a:solidFill>
-            <a:prstDash val="dash"/>
-          </a:ln>
-          <a:effectLst/>
+          <a:ln/>
         </p:spPr>
         <p:style>
-          <a:lnRef idx="1">
-            <a:schemeClr val="accent1"/>
+          <a:lnRef idx="2">
+            <a:schemeClr val="accent3"/>
           </a:lnRef>
-          <a:fillRef idx="0">
-            <a:schemeClr val="accent1"/>
+          <a:fillRef idx="1">
+            <a:schemeClr val="lt1"/>
           </a:fillRef>
           <a:effectRef idx="0">
-            <a:schemeClr val="accent1"/>
+            <a:schemeClr val="accent3"/>
           </a:effectRef>
           <a:fontRef idx="minor">
-            <a:schemeClr val="tx1"/>
+            <a:schemeClr val="dk1"/>
           </a:fontRef>
         </p:style>
       </p:cxnSp>

--- a/RepoDb.Raw/Files/HLA.pptx
+++ b/RepoDb.Raw/Files/HLA.pptx
@@ -7,6 +7,7 @@
   <p:sldIdLst>
     <p:sldId id="256" r:id="rId2"/>
     <p:sldId id="257" r:id="rId3"/>
+    <p:sldId id="258" r:id="rId4"/>
   </p:sldIdLst>
   <p:sldSz cx="12192000" cy="6858000"/>
   <p:notesSz cx="6858000" cy="9144000"/>
@@ -5885,6 +5886,1588 @@
 </p:sld>
 </file>
 
+<file path=ppt/slides/slide3.xml><?xml version="1.0" encoding="utf-8"?>
+<p:sld xmlns:a="http://schemas.openxmlformats.org/drawingml/2006/main" xmlns:r="http://schemas.openxmlformats.org/officeDocument/2006/relationships" xmlns:p="http://schemas.openxmlformats.org/presentationml/2006/main">
+  <p:cSld>
+    <p:spTree>
+      <p:nvGrpSpPr>
+        <p:cNvPr id="1" name=""/>
+        <p:cNvGrpSpPr/>
+        <p:nvPr/>
+      </p:nvGrpSpPr>
+      <p:grpSpPr>
+        <a:xfrm>
+          <a:off x="0" y="0"/>
+          <a:ext cx="0" cy="0"/>
+          <a:chOff x="0" y="0"/>
+          <a:chExt cx="0" cy="0"/>
+        </a:xfrm>
+      </p:grpSpPr>
+      <p:sp>
+        <p:nvSpPr>
+          <p:cNvPr id="4" name="Rounded Rectangle 3"/>
+          <p:cNvSpPr/>
+          <p:nvPr/>
+        </p:nvSpPr>
+        <p:spPr>
+          <a:xfrm>
+            <a:off x="884066" y="3360803"/>
+            <a:ext cx="962069" cy="363425"/>
+          </a:xfrm>
+          <a:prstGeom prst="roundRect">
+            <a:avLst/>
+          </a:prstGeom>
+        </p:spPr>
+        <p:style>
+          <a:lnRef idx="2">
+            <a:schemeClr val="accent3"/>
+          </a:lnRef>
+          <a:fillRef idx="1">
+            <a:schemeClr val="lt1"/>
+          </a:fillRef>
+          <a:effectRef idx="0">
+            <a:schemeClr val="accent3"/>
+          </a:effectRef>
+          <a:fontRef idx="minor">
+            <a:schemeClr val="dk1"/>
+          </a:fontRef>
+        </p:style>
+        <p:txBody>
+          <a:bodyPr rtlCol="0" anchor="ctr"/>
+          <a:lstStyle/>
+          <a:p>
+            <a:pPr algn="ctr"/>
+            <a:r>
+              <a:rPr lang="en-US" sz="1000" dirty="0" smtClean="0"/>
+              <a:t>RepoDb</a:t>
+            </a:r>
+            <a:endParaRPr lang="en-US" sz="1000" dirty="0"/>
+          </a:p>
+        </p:txBody>
+      </p:sp>
+      <p:sp>
+        <p:nvSpPr>
+          <p:cNvPr id="5" name="Flowchart: Magnetic Disk 4"/>
+          <p:cNvSpPr/>
+          <p:nvPr/>
+        </p:nvSpPr>
+        <p:spPr>
+          <a:xfrm>
+            <a:off x="7339095" y="4087797"/>
+            <a:ext cx="1228530" cy="687921"/>
+          </a:xfrm>
+          <a:prstGeom prst="flowChartMagneticDisk">
+            <a:avLst/>
+          </a:prstGeom>
+          <a:ln/>
+        </p:spPr>
+        <p:style>
+          <a:lnRef idx="2">
+            <a:schemeClr val="accent3"/>
+          </a:lnRef>
+          <a:fillRef idx="1">
+            <a:schemeClr val="lt1"/>
+          </a:fillRef>
+          <a:effectRef idx="0">
+            <a:schemeClr val="accent3"/>
+          </a:effectRef>
+          <a:fontRef idx="minor">
+            <a:schemeClr val="dk1"/>
+          </a:fontRef>
+        </p:style>
+        <p:txBody>
+          <a:bodyPr rtlCol="0" anchor="ctr"/>
+          <a:lstStyle/>
+          <a:p>
+            <a:pPr algn="ctr"/>
+            <a:r>
+              <a:rPr lang="en-US" sz="1000" dirty="0" smtClean="0">
+                <a:solidFill>
+                  <a:schemeClr val="tx1"/>
+                </a:solidFill>
+              </a:rPr>
+              <a:t>DATABASE</a:t>
+            </a:r>
+            <a:endParaRPr lang="en-US" sz="1000" dirty="0">
+              <a:solidFill>
+                <a:schemeClr val="tx1"/>
+              </a:solidFill>
+            </a:endParaRPr>
+          </a:p>
+        </p:txBody>
+      </p:sp>
+      <p:sp>
+        <p:nvSpPr>
+          <p:cNvPr id="6" name="Rounded Rectangle 5"/>
+          <p:cNvSpPr/>
+          <p:nvPr/>
+        </p:nvSpPr>
+        <p:spPr>
+          <a:xfrm>
+            <a:off x="4375932" y="5516495"/>
+            <a:ext cx="1483162" cy="462499"/>
+          </a:xfrm>
+          <a:prstGeom prst="roundRect">
+            <a:avLst/>
+          </a:prstGeom>
+        </p:spPr>
+        <p:style>
+          <a:lnRef idx="2">
+            <a:schemeClr val="accent3"/>
+          </a:lnRef>
+          <a:fillRef idx="1">
+            <a:schemeClr val="lt1"/>
+          </a:fillRef>
+          <a:effectRef idx="0">
+            <a:schemeClr val="accent3"/>
+          </a:effectRef>
+          <a:fontRef idx="minor">
+            <a:schemeClr val="dk1"/>
+          </a:fontRef>
+        </p:style>
+        <p:txBody>
+          <a:bodyPr rtlCol="0" anchor="ctr"/>
+          <a:lstStyle/>
+          <a:p>
+            <a:pPr algn="ctr"/>
+            <a:r>
+              <a:rPr lang="en-US" sz="1000" dirty="0" err="1" smtClean="0"/>
+              <a:t>ExecutionContextCache</a:t>
+            </a:r>
+            <a:endParaRPr lang="en-US" sz="1000" dirty="0"/>
+          </a:p>
+        </p:txBody>
+      </p:sp>
+      <p:sp>
+        <p:nvSpPr>
+          <p:cNvPr id="7" name="Rounded Rectangle 6"/>
+          <p:cNvSpPr/>
+          <p:nvPr/>
+        </p:nvSpPr>
+        <p:spPr>
+          <a:xfrm>
+            <a:off x="4375932" y="2225086"/>
+            <a:ext cx="1483162" cy="462499"/>
+          </a:xfrm>
+          <a:prstGeom prst="roundRect">
+            <a:avLst/>
+          </a:prstGeom>
+        </p:spPr>
+        <p:style>
+          <a:lnRef idx="2">
+            <a:schemeClr val="accent3"/>
+          </a:lnRef>
+          <a:fillRef idx="1">
+            <a:schemeClr val="lt1"/>
+          </a:fillRef>
+          <a:effectRef idx="0">
+            <a:schemeClr val="accent3"/>
+          </a:effectRef>
+          <a:fontRef idx="minor">
+            <a:schemeClr val="dk1"/>
+          </a:fontRef>
+        </p:style>
+        <p:txBody>
+          <a:bodyPr rtlCol="0" anchor="ctr"/>
+          <a:lstStyle/>
+          <a:p>
+            <a:pPr algn="ctr"/>
+            <a:r>
+              <a:rPr lang="en-US" sz="1000" dirty="0" err="1" smtClean="0"/>
+              <a:t>MappingCache</a:t>
+            </a:r>
+            <a:endParaRPr lang="en-US" sz="1000" dirty="0"/>
+          </a:p>
+        </p:txBody>
+      </p:sp>
+      <p:sp>
+        <p:nvSpPr>
+          <p:cNvPr id="8" name="Rounded Rectangle 7"/>
+          <p:cNvSpPr/>
+          <p:nvPr/>
+        </p:nvSpPr>
+        <p:spPr>
+          <a:xfrm>
+            <a:off x="4375932" y="1565649"/>
+            <a:ext cx="1483162" cy="462499"/>
+          </a:xfrm>
+          <a:prstGeom prst="roundRect">
+            <a:avLst/>
+          </a:prstGeom>
+        </p:spPr>
+        <p:style>
+          <a:lnRef idx="2">
+            <a:schemeClr val="accent3"/>
+          </a:lnRef>
+          <a:fillRef idx="1">
+            <a:schemeClr val="lt1"/>
+          </a:fillRef>
+          <a:effectRef idx="0">
+            <a:schemeClr val="accent3"/>
+          </a:effectRef>
+          <a:fontRef idx="minor">
+            <a:schemeClr val="dk1"/>
+          </a:fontRef>
+        </p:style>
+        <p:txBody>
+          <a:bodyPr rtlCol="0" anchor="ctr"/>
+          <a:lstStyle/>
+          <a:p>
+            <a:pPr algn="ctr"/>
+            <a:r>
+              <a:rPr lang="en-US" sz="1000" dirty="0" err="1" smtClean="0"/>
+              <a:t>PropertyCache</a:t>
+            </a:r>
+            <a:endParaRPr lang="en-US" sz="1000" dirty="0"/>
+          </a:p>
+        </p:txBody>
+      </p:sp>
+      <p:sp>
+        <p:nvSpPr>
+          <p:cNvPr id="9" name="Rounded Rectangle 8"/>
+          <p:cNvSpPr/>
+          <p:nvPr/>
+        </p:nvSpPr>
+        <p:spPr>
+          <a:xfrm>
+            <a:off x="4375932" y="2884523"/>
+            <a:ext cx="1483162" cy="462499"/>
+          </a:xfrm>
+          <a:prstGeom prst="roundRect">
+            <a:avLst/>
+          </a:prstGeom>
+        </p:spPr>
+        <p:style>
+          <a:lnRef idx="2">
+            <a:schemeClr val="accent3"/>
+          </a:lnRef>
+          <a:fillRef idx="1">
+            <a:schemeClr val="lt1"/>
+          </a:fillRef>
+          <a:effectRef idx="0">
+            <a:schemeClr val="accent3"/>
+          </a:effectRef>
+          <a:fontRef idx="minor">
+            <a:schemeClr val="dk1"/>
+          </a:fontRef>
+        </p:style>
+        <p:txBody>
+          <a:bodyPr rtlCol="0" anchor="ctr"/>
+          <a:lstStyle/>
+          <a:p>
+            <a:pPr algn="ctr"/>
+            <a:r>
+              <a:rPr lang="en-US" sz="1000" dirty="0" err="1" smtClean="0"/>
+              <a:t>PrimaryCache</a:t>
+            </a:r>
+            <a:endParaRPr lang="en-US" sz="1000" dirty="0"/>
+          </a:p>
+        </p:txBody>
+      </p:sp>
+      <p:sp>
+        <p:nvSpPr>
+          <p:cNvPr id="10" name="Rounded Rectangle 9"/>
+          <p:cNvSpPr/>
+          <p:nvPr/>
+        </p:nvSpPr>
+        <p:spPr>
+          <a:xfrm>
+            <a:off x="4375932" y="3542516"/>
+            <a:ext cx="1483162" cy="462499"/>
+          </a:xfrm>
+          <a:prstGeom prst="roundRect">
+            <a:avLst/>
+          </a:prstGeom>
+        </p:spPr>
+        <p:style>
+          <a:lnRef idx="2">
+            <a:schemeClr val="accent3"/>
+          </a:lnRef>
+          <a:fillRef idx="1">
+            <a:schemeClr val="lt1"/>
+          </a:fillRef>
+          <a:effectRef idx="0">
+            <a:schemeClr val="accent3"/>
+          </a:effectRef>
+          <a:fontRef idx="minor">
+            <a:schemeClr val="dk1"/>
+          </a:fontRef>
+        </p:style>
+        <p:txBody>
+          <a:bodyPr rtlCol="0" anchor="ctr"/>
+          <a:lstStyle/>
+          <a:p>
+            <a:pPr algn="ctr"/>
+            <a:r>
+              <a:rPr lang="en-US" sz="1000" dirty="0" err="1" smtClean="0"/>
+              <a:t>CommandTextCache</a:t>
+            </a:r>
+            <a:endParaRPr lang="en-US" sz="1000" dirty="0"/>
+          </a:p>
+        </p:txBody>
+      </p:sp>
+      <p:sp>
+        <p:nvSpPr>
+          <p:cNvPr id="11" name="Rounded Rectangle 10"/>
+          <p:cNvSpPr/>
+          <p:nvPr/>
+        </p:nvSpPr>
+        <p:spPr>
+          <a:xfrm>
+            <a:off x="4375932" y="4200509"/>
+            <a:ext cx="1483162" cy="462499"/>
+          </a:xfrm>
+          <a:prstGeom prst="roundRect">
+            <a:avLst/>
+          </a:prstGeom>
+        </p:spPr>
+        <p:style>
+          <a:lnRef idx="2">
+            <a:schemeClr val="accent3"/>
+          </a:lnRef>
+          <a:fillRef idx="1">
+            <a:schemeClr val="lt1"/>
+          </a:fillRef>
+          <a:effectRef idx="0">
+            <a:schemeClr val="accent3"/>
+          </a:effectRef>
+          <a:fontRef idx="minor">
+            <a:schemeClr val="dk1"/>
+          </a:fontRef>
+        </p:style>
+        <p:txBody>
+          <a:bodyPr rtlCol="0" anchor="ctr"/>
+          <a:lstStyle/>
+          <a:p>
+            <a:pPr algn="ctr"/>
+            <a:r>
+              <a:rPr lang="en-US" sz="1000" dirty="0" err="1" smtClean="0"/>
+              <a:t>DbFieldCache</a:t>
+            </a:r>
+            <a:endParaRPr lang="en-US" sz="1000" dirty="0"/>
+          </a:p>
+        </p:txBody>
+      </p:sp>
+      <p:sp>
+        <p:nvSpPr>
+          <p:cNvPr id="12" name="Rounded Rectangle 11"/>
+          <p:cNvSpPr/>
+          <p:nvPr/>
+        </p:nvSpPr>
+        <p:spPr>
+          <a:xfrm>
+            <a:off x="4375932" y="4858502"/>
+            <a:ext cx="1483162" cy="462499"/>
+          </a:xfrm>
+          <a:prstGeom prst="roundRect">
+            <a:avLst/>
+          </a:prstGeom>
+        </p:spPr>
+        <p:style>
+          <a:lnRef idx="2">
+            <a:schemeClr val="accent3"/>
+          </a:lnRef>
+          <a:fillRef idx="1">
+            <a:schemeClr val="lt1"/>
+          </a:fillRef>
+          <a:effectRef idx="0">
+            <a:schemeClr val="accent3"/>
+          </a:effectRef>
+          <a:fontRef idx="minor">
+            <a:schemeClr val="dk1"/>
+          </a:fontRef>
+        </p:style>
+        <p:txBody>
+          <a:bodyPr rtlCol="0" anchor="ctr"/>
+          <a:lstStyle/>
+          <a:p>
+            <a:pPr algn="ctr"/>
+            <a:r>
+              <a:rPr lang="en-US" sz="1000" dirty="0" err="1" smtClean="0"/>
+              <a:t>PrimaryCache</a:t>
+            </a:r>
+            <a:endParaRPr lang="en-US" sz="1000" dirty="0"/>
+          </a:p>
+        </p:txBody>
+      </p:sp>
+      <p:sp>
+        <p:nvSpPr>
+          <p:cNvPr id="13" name="Rounded Rectangle 12"/>
+          <p:cNvSpPr/>
+          <p:nvPr/>
+        </p:nvSpPr>
+        <p:spPr>
+          <a:xfrm>
+            <a:off x="4375932" y="905491"/>
+            <a:ext cx="1483162" cy="462499"/>
+          </a:xfrm>
+          <a:prstGeom prst="roundRect">
+            <a:avLst/>
+          </a:prstGeom>
+        </p:spPr>
+        <p:style>
+          <a:lnRef idx="2">
+            <a:schemeClr val="accent3"/>
+          </a:lnRef>
+          <a:fillRef idx="1">
+            <a:schemeClr val="lt1"/>
+          </a:fillRef>
+          <a:effectRef idx="0">
+            <a:schemeClr val="accent3"/>
+          </a:effectRef>
+          <a:fontRef idx="minor">
+            <a:schemeClr val="dk1"/>
+          </a:fontRef>
+        </p:style>
+        <p:txBody>
+          <a:bodyPr rtlCol="0" anchor="ctr"/>
+          <a:lstStyle/>
+          <a:p>
+            <a:pPr algn="ctr"/>
+            <a:r>
+              <a:rPr lang="en-US" sz="1000" dirty="0" err="1" smtClean="0"/>
+              <a:t>FieldCache</a:t>
+            </a:r>
+            <a:endParaRPr lang="en-US" sz="1000" dirty="0"/>
+          </a:p>
+        </p:txBody>
+      </p:sp>
+      <p:sp>
+        <p:nvSpPr>
+          <p:cNvPr id="15" name="Oval 14"/>
+          <p:cNvSpPr/>
+          <p:nvPr/>
+        </p:nvSpPr>
+        <p:spPr>
+          <a:xfrm>
+            <a:off x="7496160" y="2162491"/>
+            <a:ext cx="914400" cy="914400"/>
+          </a:xfrm>
+          <a:prstGeom prst="ellipse">
+            <a:avLst/>
+          </a:prstGeom>
+        </p:spPr>
+        <p:style>
+          <a:lnRef idx="2">
+            <a:schemeClr val="accent3"/>
+          </a:lnRef>
+          <a:fillRef idx="1">
+            <a:schemeClr val="lt1"/>
+          </a:fillRef>
+          <a:effectRef idx="0">
+            <a:schemeClr val="accent3"/>
+          </a:effectRef>
+          <a:fontRef idx="minor">
+            <a:schemeClr val="dk1"/>
+          </a:fontRef>
+        </p:style>
+        <p:txBody>
+          <a:bodyPr rtlCol="0" anchor="ctr"/>
+          <a:lstStyle/>
+          <a:p>
+            <a:pPr algn="ctr"/>
+            <a:r>
+              <a:rPr lang="en-US" sz="1000" dirty="0" smtClean="0"/>
+              <a:t>Class</a:t>
+            </a:r>
+          </a:p>
+          <a:p>
+            <a:pPr algn="ctr"/>
+            <a:r>
+              <a:rPr lang="en-US" sz="1000" dirty="0" smtClean="0"/>
+              <a:t>Model</a:t>
+            </a:r>
+            <a:endParaRPr lang="en-US" sz="1000" dirty="0"/>
+          </a:p>
+        </p:txBody>
+      </p:sp>
+      <p:sp>
+        <p:nvSpPr>
+          <p:cNvPr id="17" name="Rounded Rectangle 16"/>
+          <p:cNvSpPr/>
+          <p:nvPr/>
+        </p:nvSpPr>
+        <p:spPr>
+          <a:xfrm>
+            <a:off x="2561187" y="5516495"/>
+            <a:ext cx="1066799" cy="462499"/>
+          </a:xfrm>
+          <a:prstGeom prst="roundRect">
+            <a:avLst/>
+          </a:prstGeom>
+        </p:spPr>
+        <p:style>
+          <a:lnRef idx="2">
+            <a:schemeClr val="accent3"/>
+          </a:lnRef>
+          <a:fillRef idx="1">
+            <a:schemeClr val="lt1"/>
+          </a:fillRef>
+          <a:effectRef idx="0">
+            <a:schemeClr val="accent3"/>
+          </a:effectRef>
+          <a:fontRef idx="minor">
+            <a:schemeClr val="dk1"/>
+          </a:fontRef>
+        </p:style>
+        <p:txBody>
+          <a:bodyPr rtlCol="0" anchor="ctr"/>
+          <a:lstStyle/>
+          <a:p>
+            <a:pPr algn="ctr"/>
+            <a:r>
+              <a:rPr lang="en-US" sz="1000" dirty="0" smtClean="0"/>
+              <a:t>Push Operations</a:t>
+            </a:r>
+            <a:endParaRPr lang="en-US" sz="1000" dirty="0"/>
+          </a:p>
+        </p:txBody>
+      </p:sp>
+      <p:sp>
+        <p:nvSpPr>
+          <p:cNvPr id="18" name="Rounded Rectangle 17"/>
+          <p:cNvSpPr/>
+          <p:nvPr/>
+        </p:nvSpPr>
+        <p:spPr>
+          <a:xfrm>
+            <a:off x="2561187" y="4858501"/>
+            <a:ext cx="1066799" cy="462499"/>
+          </a:xfrm>
+          <a:prstGeom prst="roundRect">
+            <a:avLst/>
+          </a:prstGeom>
+        </p:spPr>
+        <p:style>
+          <a:lnRef idx="2">
+            <a:schemeClr val="accent3"/>
+          </a:lnRef>
+          <a:fillRef idx="1">
+            <a:schemeClr val="lt1"/>
+          </a:fillRef>
+          <a:effectRef idx="0">
+            <a:schemeClr val="accent3"/>
+          </a:effectRef>
+          <a:fontRef idx="minor">
+            <a:schemeClr val="dk1"/>
+          </a:fontRef>
+        </p:style>
+        <p:txBody>
+          <a:bodyPr rtlCol="0" anchor="ctr"/>
+          <a:lstStyle/>
+          <a:p>
+            <a:pPr algn="ctr"/>
+            <a:r>
+              <a:rPr lang="en-US" sz="1000" dirty="0" err="1" smtClean="0"/>
+              <a:t>GetDbPrimary</a:t>
+            </a:r>
+            <a:endParaRPr lang="en-US" sz="1000" dirty="0"/>
+          </a:p>
+        </p:txBody>
+      </p:sp>
+      <p:sp>
+        <p:nvSpPr>
+          <p:cNvPr id="19" name="Rounded Rectangle 18"/>
+          <p:cNvSpPr/>
+          <p:nvPr/>
+        </p:nvSpPr>
+        <p:spPr>
+          <a:xfrm>
+            <a:off x="2569132" y="4200508"/>
+            <a:ext cx="1066799" cy="462499"/>
+          </a:xfrm>
+          <a:prstGeom prst="roundRect">
+            <a:avLst/>
+          </a:prstGeom>
+        </p:spPr>
+        <p:style>
+          <a:lnRef idx="2">
+            <a:schemeClr val="accent3"/>
+          </a:lnRef>
+          <a:fillRef idx="1">
+            <a:schemeClr val="lt1"/>
+          </a:fillRef>
+          <a:effectRef idx="0">
+            <a:schemeClr val="accent3"/>
+          </a:effectRef>
+          <a:fontRef idx="minor">
+            <a:schemeClr val="dk1"/>
+          </a:fontRef>
+        </p:style>
+        <p:txBody>
+          <a:bodyPr rtlCol="0" anchor="ctr"/>
+          <a:lstStyle/>
+          <a:p>
+            <a:pPr algn="ctr"/>
+            <a:r>
+              <a:rPr lang="en-US" sz="1000" dirty="0" smtClean="0"/>
+              <a:t>Operation Calls</a:t>
+            </a:r>
+            <a:endParaRPr lang="en-US" sz="1000" dirty="0"/>
+          </a:p>
+        </p:txBody>
+      </p:sp>
+      <p:sp>
+        <p:nvSpPr>
+          <p:cNvPr id="20" name="Rounded Rectangle 19"/>
+          <p:cNvSpPr/>
+          <p:nvPr/>
+        </p:nvSpPr>
+        <p:spPr>
+          <a:xfrm>
+            <a:off x="2561185" y="1565648"/>
+            <a:ext cx="1066799" cy="462499"/>
+          </a:xfrm>
+          <a:prstGeom prst="roundRect">
+            <a:avLst/>
+          </a:prstGeom>
+        </p:spPr>
+        <p:style>
+          <a:lnRef idx="2">
+            <a:schemeClr val="accent3"/>
+          </a:lnRef>
+          <a:fillRef idx="1">
+            <a:schemeClr val="lt1"/>
+          </a:fillRef>
+          <a:effectRef idx="0">
+            <a:schemeClr val="accent3"/>
+          </a:effectRef>
+          <a:fontRef idx="minor">
+            <a:schemeClr val="dk1"/>
+          </a:fontRef>
+        </p:style>
+        <p:txBody>
+          <a:bodyPr rtlCol="0" anchor="ctr"/>
+          <a:lstStyle/>
+          <a:p>
+            <a:pPr algn="ctr"/>
+            <a:r>
+              <a:rPr lang="en-US" sz="1000" dirty="0" smtClean="0"/>
+              <a:t>Reflection Calls</a:t>
+            </a:r>
+            <a:endParaRPr lang="en-US" sz="1000" dirty="0"/>
+          </a:p>
+        </p:txBody>
+      </p:sp>
+      <p:sp>
+        <p:nvSpPr>
+          <p:cNvPr id="21" name="Rounded Rectangle 20"/>
+          <p:cNvSpPr/>
+          <p:nvPr/>
+        </p:nvSpPr>
+        <p:spPr>
+          <a:xfrm>
+            <a:off x="7419960" y="5516494"/>
+            <a:ext cx="1066799" cy="462499"/>
+          </a:xfrm>
+          <a:prstGeom prst="roundRect">
+            <a:avLst/>
+          </a:prstGeom>
+        </p:spPr>
+        <p:style>
+          <a:lnRef idx="2">
+            <a:schemeClr val="accent3"/>
+          </a:lnRef>
+          <a:fillRef idx="1">
+            <a:schemeClr val="lt1"/>
+          </a:fillRef>
+          <a:effectRef idx="0">
+            <a:schemeClr val="accent3"/>
+          </a:effectRef>
+          <a:fontRef idx="minor">
+            <a:schemeClr val="dk1"/>
+          </a:fontRef>
+        </p:style>
+        <p:txBody>
+          <a:bodyPr rtlCol="0" anchor="ctr"/>
+          <a:lstStyle/>
+          <a:p>
+            <a:pPr algn="ctr"/>
+            <a:r>
+              <a:rPr lang="en-US" sz="1000" dirty="0" smtClean="0"/>
+              <a:t>Compiled IL/Expression</a:t>
+            </a:r>
+            <a:endParaRPr lang="en-US" sz="1000" dirty="0"/>
+          </a:p>
+        </p:txBody>
+      </p:sp>
+      <p:cxnSp>
+        <p:nvCxnSpPr>
+          <p:cNvPr id="23" name="Straight Arrow Connector 22"/>
+          <p:cNvCxnSpPr>
+            <a:stCxn id="21" idx="0"/>
+            <a:endCxn id="5" idx="3"/>
+          </p:cNvCxnSpPr>
+          <p:nvPr/>
+        </p:nvCxnSpPr>
+        <p:spPr>
+          <a:xfrm flipV="1">
+            <a:off x="7953360" y="4775718"/>
+            <a:ext cx="0" cy="740776"/>
+          </a:xfrm>
+          <a:prstGeom prst="straightConnector1">
+            <a:avLst/>
+          </a:prstGeom>
+          <a:ln>
+            <a:tailEnd type="triangle"/>
+          </a:ln>
+        </p:spPr>
+        <p:style>
+          <a:lnRef idx="2">
+            <a:schemeClr val="accent3"/>
+          </a:lnRef>
+          <a:fillRef idx="0">
+            <a:schemeClr val="accent3"/>
+          </a:fillRef>
+          <a:effectRef idx="1">
+            <a:schemeClr val="accent3"/>
+          </a:effectRef>
+          <a:fontRef idx="minor">
+            <a:schemeClr val="tx1"/>
+          </a:fontRef>
+        </p:style>
+      </p:cxnSp>
+      <p:cxnSp>
+        <p:nvCxnSpPr>
+          <p:cNvPr id="25" name="Straight Arrow Connector 24"/>
+          <p:cNvCxnSpPr>
+            <a:stCxn id="6" idx="3"/>
+            <a:endCxn id="21" idx="1"/>
+          </p:cNvCxnSpPr>
+          <p:nvPr/>
+        </p:nvCxnSpPr>
+        <p:spPr>
+          <a:xfrm flipV="1">
+            <a:off x="5859094" y="5747744"/>
+            <a:ext cx="1560866" cy="1"/>
+          </a:xfrm>
+          <a:prstGeom prst="straightConnector1">
+            <a:avLst/>
+          </a:prstGeom>
+          <a:ln>
+            <a:tailEnd type="triangle"/>
+          </a:ln>
+        </p:spPr>
+        <p:style>
+          <a:lnRef idx="2">
+            <a:schemeClr val="accent3"/>
+          </a:lnRef>
+          <a:fillRef idx="0">
+            <a:schemeClr val="accent3"/>
+          </a:fillRef>
+          <a:effectRef idx="1">
+            <a:schemeClr val="accent3"/>
+          </a:effectRef>
+          <a:fontRef idx="minor">
+            <a:schemeClr val="tx1"/>
+          </a:fontRef>
+        </p:style>
+      </p:cxnSp>
+      <p:cxnSp>
+        <p:nvCxnSpPr>
+          <p:cNvPr id="26" name="Straight Arrow Connector 25"/>
+          <p:cNvCxnSpPr>
+            <a:stCxn id="19" idx="3"/>
+            <a:endCxn id="6" idx="1"/>
+          </p:cNvCxnSpPr>
+          <p:nvPr/>
+        </p:nvCxnSpPr>
+        <p:spPr>
+          <a:xfrm>
+            <a:off x="3635931" y="4431758"/>
+            <a:ext cx="740001" cy="1315987"/>
+          </a:xfrm>
+          <a:prstGeom prst="straightConnector1">
+            <a:avLst/>
+          </a:prstGeom>
+          <a:ln>
+            <a:tailEnd type="triangle"/>
+          </a:ln>
+        </p:spPr>
+        <p:style>
+          <a:lnRef idx="2">
+            <a:schemeClr val="accent3"/>
+          </a:lnRef>
+          <a:fillRef idx="0">
+            <a:schemeClr val="accent3"/>
+          </a:fillRef>
+          <a:effectRef idx="1">
+            <a:schemeClr val="accent3"/>
+          </a:effectRef>
+          <a:fontRef idx="minor">
+            <a:schemeClr val="tx1"/>
+          </a:fontRef>
+        </p:style>
+      </p:cxnSp>
+      <p:cxnSp>
+        <p:nvCxnSpPr>
+          <p:cNvPr id="29" name="Straight Arrow Connector 28"/>
+          <p:cNvCxnSpPr>
+            <a:stCxn id="17" idx="3"/>
+            <a:endCxn id="6" idx="1"/>
+          </p:cNvCxnSpPr>
+          <p:nvPr/>
+        </p:nvCxnSpPr>
+        <p:spPr>
+          <a:xfrm>
+            <a:off x="3627986" y="5747745"/>
+            <a:ext cx="747946" cy="0"/>
+          </a:xfrm>
+          <a:prstGeom prst="straightConnector1">
+            <a:avLst/>
+          </a:prstGeom>
+          <a:ln>
+            <a:tailEnd type="triangle"/>
+          </a:ln>
+        </p:spPr>
+        <p:style>
+          <a:lnRef idx="2">
+            <a:schemeClr val="accent3"/>
+          </a:lnRef>
+          <a:fillRef idx="0">
+            <a:schemeClr val="accent3"/>
+          </a:fillRef>
+          <a:effectRef idx="1">
+            <a:schemeClr val="accent3"/>
+          </a:effectRef>
+          <a:fontRef idx="minor">
+            <a:schemeClr val="tx1"/>
+          </a:fontRef>
+        </p:style>
+      </p:cxnSp>
+      <p:cxnSp>
+        <p:nvCxnSpPr>
+          <p:cNvPr id="32" name="Straight Arrow Connector 31"/>
+          <p:cNvCxnSpPr>
+            <a:stCxn id="18" idx="3"/>
+            <a:endCxn id="12" idx="1"/>
+          </p:cNvCxnSpPr>
+          <p:nvPr/>
+        </p:nvCxnSpPr>
+        <p:spPr>
+          <a:xfrm>
+            <a:off x="3627986" y="5089751"/>
+            <a:ext cx="747946" cy="1"/>
+          </a:xfrm>
+          <a:prstGeom prst="straightConnector1">
+            <a:avLst/>
+          </a:prstGeom>
+          <a:ln>
+            <a:tailEnd type="triangle"/>
+          </a:ln>
+        </p:spPr>
+        <p:style>
+          <a:lnRef idx="2">
+            <a:schemeClr val="accent3"/>
+          </a:lnRef>
+          <a:fillRef idx="0">
+            <a:schemeClr val="accent3"/>
+          </a:fillRef>
+          <a:effectRef idx="1">
+            <a:schemeClr val="accent3"/>
+          </a:effectRef>
+          <a:fontRef idx="minor">
+            <a:schemeClr val="tx1"/>
+          </a:fontRef>
+        </p:style>
+      </p:cxnSp>
+      <p:cxnSp>
+        <p:nvCxnSpPr>
+          <p:cNvPr id="36" name="Straight Arrow Connector 35"/>
+          <p:cNvCxnSpPr>
+            <a:stCxn id="4" idx="3"/>
+            <a:endCxn id="17" idx="1"/>
+          </p:cNvCxnSpPr>
+          <p:nvPr/>
+        </p:nvCxnSpPr>
+        <p:spPr>
+          <a:xfrm>
+            <a:off x="1846135" y="3542516"/>
+            <a:ext cx="715052" cy="2205229"/>
+          </a:xfrm>
+          <a:prstGeom prst="straightConnector1">
+            <a:avLst/>
+          </a:prstGeom>
+          <a:ln>
+            <a:tailEnd type="triangle"/>
+          </a:ln>
+        </p:spPr>
+        <p:style>
+          <a:lnRef idx="2">
+            <a:schemeClr val="accent3"/>
+          </a:lnRef>
+          <a:fillRef idx="0">
+            <a:schemeClr val="accent3"/>
+          </a:fillRef>
+          <a:effectRef idx="1">
+            <a:schemeClr val="accent3"/>
+          </a:effectRef>
+          <a:fontRef idx="minor">
+            <a:schemeClr val="tx1"/>
+          </a:fontRef>
+        </p:style>
+      </p:cxnSp>
+      <p:cxnSp>
+        <p:nvCxnSpPr>
+          <p:cNvPr id="40" name="Straight Arrow Connector 39"/>
+          <p:cNvCxnSpPr>
+            <a:stCxn id="4" idx="3"/>
+            <a:endCxn id="18" idx="1"/>
+          </p:cNvCxnSpPr>
+          <p:nvPr/>
+        </p:nvCxnSpPr>
+        <p:spPr>
+          <a:xfrm>
+            <a:off x="1846135" y="3542516"/>
+            <a:ext cx="715052" cy="1547235"/>
+          </a:xfrm>
+          <a:prstGeom prst="straightConnector1">
+            <a:avLst/>
+          </a:prstGeom>
+          <a:ln>
+            <a:tailEnd type="triangle"/>
+          </a:ln>
+        </p:spPr>
+        <p:style>
+          <a:lnRef idx="2">
+            <a:schemeClr val="accent3"/>
+          </a:lnRef>
+          <a:fillRef idx="0">
+            <a:schemeClr val="accent3"/>
+          </a:fillRef>
+          <a:effectRef idx="1">
+            <a:schemeClr val="accent3"/>
+          </a:effectRef>
+          <a:fontRef idx="minor">
+            <a:schemeClr val="tx1"/>
+          </a:fontRef>
+        </p:style>
+      </p:cxnSp>
+      <p:cxnSp>
+        <p:nvCxnSpPr>
+          <p:cNvPr id="43" name="Straight Arrow Connector 42"/>
+          <p:cNvCxnSpPr>
+            <a:stCxn id="12" idx="3"/>
+            <a:endCxn id="5" idx="2"/>
+          </p:cNvCxnSpPr>
+          <p:nvPr/>
+        </p:nvCxnSpPr>
+        <p:spPr>
+          <a:xfrm flipV="1">
+            <a:off x="5859094" y="4431758"/>
+            <a:ext cx="1480001" cy="657994"/>
+          </a:xfrm>
+          <a:prstGeom prst="straightConnector1">
+            <a:avLst/>
+          </a:prstGeom>
+          <a:ln>
+            <a:tailEnd type="triangle"/>
+          </a:ln>
+        </p:spPr>
+        <p:style>
+          <a:lnRef idx="2">
+            <a:schemeClr val="accent3"/>
+          </a:lnRef>
+          <a:fillRef idx="0">
+            <a:schemeClr val="accent3"/>
+          </a:fillRef>
+          <a:effectRef idx="1">
+            <a:schemeClr val="accent3"/>
+          </a:effectRef>
+          <a:fontRef idx="minor">
+            <a:schemeClr val="tx1"/>
+          </a:fontRef>
+        </p:style>
+      </p:cxnSp>
+      <p:cxnSp>
+        <p:nvCxnSpPr>
+          <p:cNvPr id="46" name="Straight Arrow Connector 45"/>
+          <p:cNvCxnSpPr>
+            <a:stCxn id="12" idx="3"/>
+            <a:endCxn id="15" idx="3"/>
+          </p:cNvCxnSpPr>
+          <p:nvPr/>
+        </p:nvCxnSpPr>
+        <p:spPr>
+          <a:xfrm flipV="1">
+            <a:off x="5859094" y="2942980"/>
+            <a:ext cx="1770977" cy="2146772"/>
+          </a:xfrm>
+          <a:prstGeom prst="straightConnector1">
+            <a:avLst/>
+          </a:prstGeom>
+          <a:ln>
+            <a:tailEnd type="triangle"/>
+          </a:ln>
+        </p:spPr>
+        <p:style>
+          <a:lnRef idx="2">
+            <a:schemeClr val="accent3"/>
+          </a:lnRef>
+          <a:fillRef idx="0">
+            <a:schemeClr val="accent3"/>
+          </a:fillRef>
+          <a:effectRef idx="1">
+            <a:schemeClr val="accent3"/>
+          </a:effectRef>
+          <a:fontRef idx="minor">
+            <a:schemeClr val="tx1"/>
+          </a:fontRef>
+        </p:style>
+      </p:cxnSp>
+      <p:cxnSp>
+        <p:nvCxnSpPr>
+          <p:cNvPr id="49" name="Straight Arrow Connector 48"/>
+          <p:cNvCxnSpPr>
+            <a:stCxn id="11" idx="3"/>
+            <a:endCxn id="5" idx="2"/>
+          </p:cNvCxnSpPr>
+          <p:nvPr/>
+        </p:nvCxnSpPr>
+        <p:spPr>
+          <a:xfrm flipV="1">
+            <a:off x="5859094" y="4431758"/>
+            <a:ext cx="1480001" cy="1"/>
+          </a:xfrm>
+          <a:prstGeom prst="straightConnector1">
+            <a:avLst/>
+          </a:prstGeom>
+          <a:ln>
+            <a:tailEnd type="triangle"/>
+          </a:ln>
+        </p:spPr>
+        <p:style>
+          <a:lnRef idx="2">
+            <a:schemeClr val="accent3"/>
+          </a:lnRef>
+          <a:fillRef idx="0">
+            <a:schemeClr val="accent3"/>
+          </a:fillRef>
+          <a:effectRef idx="1">
+            <a:schemeClr val="accent3"/>
+          </a:effectRef>
+          <a:fontRef idx="minor">
+            <a:schemeClr val="tx1"/>
+          </a:fontRef>
+        </p:style>
+      </p:cxnSp>
+      <p:cxnSp>
+        <p:nvCxnSpPr>
+          <p:cNvPr id="52" name="Straight Arrow Connector 51"/>
+          <p:cNvCxnSpPr>
+            <a:stCxn id="4" idx="3"/>
+            <a:endCxn id="11" idx="1"/>
+          </p:cNvCxnSpPr>
+          <p:nvPr/>
+        </p:nvCxnSpPr>
+        <p:spPr>
+          <a:xfrm>
+            <a:off x="1846135" y="3542516"/>
+            <a:ext cx="2529797" cy="889243"/>
+          </a:xfrm>
+          <a:prstGeom prst="straightConnector1">
+            <a:avLst/>
+          </a:prstGeom>
+          <a:ln>
+            <a:tailEnd type="triangle"/>
+          </a:ln>
+        </p:spPr>
+        <p:style>
+          <a:lnRef idx="2">
+            <a:schemeClr val="accent3"/>
+          </a:lnRef>
+          <a:fillRef idx="0">
+            <a:schemeClr val="accent3"/>
+          </a:fillRef>
+          <a:effectRef idx="1">
+            <a:schemeClr val="accent3"/>
+          </a:effectRef>
+          <a:fontRef idx="minor">
+            <a:schemeClr val="tx1"/>
+          </a:fontRef>
+        </p:style>
+      </p:cxnSp>
+      <p:cxnSp>
+        <p:nvCxnSpPr>
+          <p:cNvPr id="55" name="Straight Arrow Connector 54"/>
+          <p:cNvCxnSpPr>
+            <a:stCxn id="11" idx="3"/>
+            <a:endCxn id="15" idx="3"/>
+          </p:cNvCxnSpPr>
+          <p:nvPr/>
+        </p:nvCxnSpPr>
+        <p:spPr>
+          <a:xfrm flipV="1">
+            <a:off x="5859094" y="2942980"/>
+            <a:ext cx="1770977" cy="1488779"/>
+          </a:xfrm>
+          <a:prstGeom prst="straightConnector1">
+            <a:avLst/>
+          </a:prstGeom>
+          <a:ln>
+            <a:tailEnd type="triangle"/>
+          </a:ln>
+        </p:spPr>
+        <p:style>
+          <a:lnRef idx="2">
+            <a:schemeClr val="accent3"/>
+          </a:lnRef>
+          <a:fillRef idx="0">
+            <a:schemeClr val="accent3"/>
+          </a:fillRef>
+          <a:effectRef idx="1">
+            <a:schemeClr val="accent3"/>
+          </a:effectRef>
+          <a:fontRef idx="minor">
+            <a:schemeClr val="tx1"/>
+          </a:fontRef>
+        </p:style>
+      </p:cxnSp>
+      <p:cxnSp>
+        <p:nvCxnSpPr>
+          <p:cNvPr id="58" name="Straight Arrow Connector 57"/>
+          <p:cNvCxnSpPr>
+            <a:stCxn id="4" idx="3"/>
+            <a:endCxn id="10" idx="1"/>
+          </p:cNvCxnSpPr>
+          <p:nvPr/>
+        </p:nvCxnSpPr>
+        <p:spPr>
+          <a:xfrm>
+            <a:off x="1846135" y="3542516"/>
+            <a:ext cx="2529797" cy="231250"/>
+          </a:xfrm>
+          <a:prstGeom prst="straightConnector1">
+            <a:avLst/>
+          </a:prstGeom>
+          <a:ln>
+            <a:tailEnd type="triangle"/>
+          </a:ln>
+        </p:spPr>
+        <p:style>
+          <a:lnRef idx="2">
+            <a:schemeClr val="accent3"/>
+          </a:lnRef>
+          <a:fillRef idx="0">
+            <a:schemeClr val="accent3"/>
+          </a:fillRef>
+          <a:effectRef idx="1">
+            <a:schemeClr val="accent3"/>
+          </a:effectRef>
+          <a:fontRef idx="minor">
+            <a:schemeClr val="tx1"/>
+          </a:fontRef>
+        </p:style>
+      </p:cxnSp>
+      <p:cxnSp>
+        <p:nvCxnSpPr>
+          <p:cNvPr id="61" name="Straight Arrow Connector 60"/>
+          <p:cNvCxnSpPr>
+            <a:stCxn id="10" idx="3"/>
+            <a:endCxn id="21" idx="1"/>
+          </p:cNvCxnSpPr>
+          <p:nvPr/>
+        </p:nvCxnSpPr>
+        <p:spPr>
+          <a:xfrm>
+            <a:off x="5859094" y="3773766"/>
+            <a:ext cx="1560866" cy="1973978"/>
+          </a:xfrm>
+          <a:prstGeom prst="straightConnector1">
+            <a:avLst/>
+          </a:prstGeom>
+          <a:ln>
+            <a:tailEnd type="triangle"/>
+          </a:ln>
+        </p:spPr>
+        <p:style>
+          <a:lnRef idx="2">
+            <a:schemeClr val="accent3"/>
+          </a:lnRef>
+          <a:fillRef idx="0">
+            <a:schemeClr val="accent3"/>
+          </a:fillRef>
+          <a:effectRef idx="1">
+            <a:schemeClr val="accent3"/>
+          </a:effectRef>
+          <a:fontRef idx="minor">
+            <a:schemeClr val="tx1"/>
+          </a:fontRef>
+        </p:style>
+      </p:cxnSp>
+      <p:cxnSp>
+        <p:nvCxnSpPr>
+          <p:cNvPr id="65" name="Straight Arrow Connector 64"/>
+          <p:cNvCxnSpPr>
+            <a:stCxn id="4" idx="3"/>
+            <a:endCxn id="9" idx="1"/>
+          </p:cNvCxnSpPr>
+          <p:nvPr/>
+        </p:nvCxnSpPr>
+        <p:spPr>
+          <a:xfrm flipV="1">
+            <a:off x="1846135" y="3115773"/>
+            <a:ext cx="2529797" cy="426743"/>
+          </a:xfrm>
+          <a:prstGeom prst="straightConnector1">
+            <a:avLst/>
+          </a:prstGeom>
+          <a:ln>
+            <a:tailEnd type="triangle"/>
+          </a:ln>
+        </p:spPr>
+        <p:style>
+          <a:lnRef idx="2">
+            <a:schemeClr val="accent3"/>
+          </a:lnRef>
+          <a:fillRef idx="0">
+            <a:schemeClr val="accent3"/>
+          </a:fillRef>
+          <a:effectRef idx="1">
+            <a:schemeClr val="accent3"/>
+          </a:effectRef>
+          <a:fontRef idx="minor">
+            <a:schemeClr val="tx1"/>
+          </a:fontRef>
+        </p:style>
+      </p:cxnSp>
+      <p:cxnSp>
+        <p:nvCxnSpPr>
+          <p:cNvPr id="68" name="Straight Arrow Connector 67"/>
+          <p:cNvCxnSpPr>
+            <a:stCxn id="9" idx="3"/>
+            <a:endCxn id="5" idx="2"/>
+          </p:cNvCxnSpPr>
+          <p:nvPr/>
+        </p:nvCxnSpPr>
+        <p:spPr>
+          <a:xfrm>
+            <a:off x="5859094" y="3115773"/>
+            <a:ext cx="1480001" cy="1315985"/>
+          </a:xfrm>
+          <a:prstGeom prst="straightConnector1">
+            <a:avLst/>
+          </a:prstGeom>
+          <a:ln>
+            <a:tailEnd type="triangle"/>
+          </a:ln>
+        </p:spPr>
+        <p:style>
+          <a:lnRef idx="2">
+            <a:schemeClr val="accent3"/>
+          </a:lnRef>
+          <a:fillRef idx="0">
+            <a:schemeClr val="accent3"/>
+          </a:fillRef>
+          <a:effectRef idx="1">
+            <a:schemeClr val="accent3"/>
+          </a:effectRef>
+          <a:fontRef idx="minor">
+            <a:schemeClr val="tx1"/>
+          </a:fontRef>
+        </p:style>
+      </p:cxnSp>
+      <p:cxnSp>
+        <p:nvCxnSpPr>
+          <p:cNvPr id="71" name="Straight Arrow Connector 70"/>
+          <p:cNvCxnSpPr>
+            <a:stCxn id="9" idx="3"/>
+            <a:endCxn id="15" idx="2"/>
+          </p:cNvCxnSpPr>
+          <p:nvPr/>
+        </p:nvCxnSpPr>
+        <p:spPr>
+          <a:xfrm flipV="1">
+            <a:off x="5859094" y="2619691"/>
+            <a:ext cx="1637066" cy="496082"/>
+          </a:xfrm>
+          <a:prstGeom prst="straightConnector1">
+            <a:avLst/>
+          </a:prstGeom>
+          <a:ln>
+            <a:tailEnd type="triangle"/>
+          </a:ln>
+        </p:spPr>
+        <p:style>
+          <a:lnRef idx="2">
+            <a:schemeClr val="accent3"/>
+          </a:lnRef>
+          <a:fillRef idx="0">
+            <a:schemeClr val="accent3"/>
+          </a:fillRef>
+          <a:effectRef idx="1">
+            <a:schemeClr val="accent3"/>
+          </a:effectRef>
+          <a:fontRef idx="minor">
+            <a:schemeClr val="tx1"/>
+          </a:fontRef>
+        </p:style>
+      </p:cxnSp>
+      <p:cxnSp>
+        <p:nvCxnSpPr>
+          <p:cNvPr id="74" name="Straight Arrow Connector 73"/>
+          <p:cNvCxnSpPr>
+            <a:stCxn id="4" idx="3"/>
+            <a:endCxn id="7" idx="1"/>
+          </p:cNvCxnSpPr>
+          <p:nvPr/>
+        </p:nvCxnSpPr>
+        <p:spPr>
+          <a:xfrm flipV="1">
+            <a:off x="1846135" y="2456336"/>
+            <a:ext cx="2529797" cy="1086180"/>
+          </a:xfrm>
+          <a:prstGeom prst="straightConnector1">
+            <a:avLst/>
+          </a:prstGeom>
+          <a:ln>
+            <a:tailEnd type="triangle"/>
+          </a:ln>
+        </p:spPr>
+        <p:style>
+          <a:lnRef idx="2">
+            <a:schemeClr val="accent3"/>
+          </a:lnRef>
+          <a:fillRef idx="0">
+            <a:schemeClr val="accent3"/>
+          </a:fillRef>
+          <a:effectRef idx="1">
+            <a:schemeClr val="accent3"/>
+          </a:effectRef>
+          <a:fontRef idx="minor">
+            <a:schemeClr val="tx1"/>
+          </a:fontRef>
+        </p:style>
+      </p:cxnSp>
+      <p:cxnSp>
+        <p:nvCxnSpPr>
+          <p:cNvPr id="77" name="Straight Arrow Connector 76"/>
+          <p:cNvCxnSpPr>
+            <a:stCxn id="7" idx="3"/>
+            <a:endCxn id="15" idx="2"/>
+          </p:cNvCxnSpPr>
+          <p:nvPr/>
+        </p:nvCxnSpPr>
+        <p:spPr>
+          <a:xfrm>
+            <a:off x="5859094" y="2456336"/>
+            <a:ext cx="1637066" cy="163355"/>
+          </a:xfrm>
+          <a:prstGeom prst="straightConnector1">
+            <a:avLst/>
+          </a:prstGeom>
+          <a:ln>
+            <a:tailEnd type="triangle"/>
+          </a:ln>
+        </p:spPr>
+        <p:style>
+          <a:lnRef idx="2">
+            <a:schemeClr val="accent3"/>
+          </a:lnRef>
+          <a:fillRef idx="0">
+            <a:schemeClr val="accent3"/>
+          </a:fillRef>
+          <a:effectRef idx="1">
+            <a:schemeClr val="accent3"/>
+          </a:effectRef>
+          <a:fontRef idx="minor">
+            <a:schemeClr val="tx1"/>
+          </a:fontRef>
+        </p:style>
+      </p:cxnSp>
+      <p:cxnSp>
+        <p:nvCxnSpPr>
+          <p:cNvPr id="80" name="Straight Arrow Connector 79"/>
+          <p:cNvCxnSpPr>
+            <a:stCxn id="20" idx="3"/>
+            <a:endCxn id="8" idx="1"/>
+          </p:cNvCxnSpPr>
+          <p:nvPr/>
+        </p:nvCxnSpPr>
+        <p:spPr>
+          <a:xfrm>
+            <a:off x="3627984" y="1796898"/>
+            <a:ext cx="747948" cy="1"/>
+          </a:xfrm>
+          <a:prstGeom prst="straightConnector1">
+            <a:avLst/>
+          </a:prstGeom>
+          <a:ln>
+            <a:tailEnd type="triangle"/>
+          </a:ln>
+        </p:spPr>
+        <p:style>
+          <a:lnRef idx="2">
+            <a:schemeClr val="accent3"/>
+          </a:lnRef>
+          <a:fillRef idx="0">
+            <a:schemeClr val="accent3"/>
+          </a:fillRef>
+          <a:effectRef idx="1">
+            <a:schemeClr val="accent3"/>
+          </a:effectRef>
+          <a:fontRef idx="minor">
+            <a:schemeClr val="tx1"/>
+          </a:fontRef>
+        </p:style>
+      </p:cxnSp>
+      <p:cxnSp>
+        <p:nvCxnSpPr>
+          <p:cNvPr id="83" name="Straight Arrow Connector 82"/>
+          <p:cNvCxnSpPr>
+            <a:stCxn id="20" idx="3"/>
+            <a:endCxn id="13" idx="1"/>
+          </p:cNvCxnSpPr>
+          <p:nvPr/>
+        </p:nvCxnSpPr>
+        <p:spPr>
+          <a:xfrm flipV="1">
+            <a:off x="3627984" y="1136741"/>
+            <a:ext cx="747948" cy="660157"/>
+          </a:xfrm>
+          <a:prstGeom prst="straightConnector1">
+            <a:avLst/>
+          </a:prstGeom>
+          <a:ln>
+            <a:tailEnd type="triangle"/>
+          </a:ln>
+        </p:spPr>
+        <p:style>
+          <a:lnRef idx="2">
+            <a:schemeClr val="accent3"/>
+          </a:lnRef>
+          <a:fillRef idx="0">
+            <a:schemeClr val="accent3"/>
+          </a:fillRef>
+          <a:effectRef idx="1">
+            <a:schemeClr val="accent3"/>
+          </a:effectRef>
+          <a:fontRef idx="minor">
+            <a:schemeClr val="tx1"/>
+          </a:fontRef>
+        </p:style>
+      </p:cxnSp>
+      <p:cxnSp>
+        <p:nvCxnSpPr>
+          <p:cNvPr id="86" name="Straight Arrow Connector 85"/>
+          <p:cNvCxnSpPr>
+            <a:stCxn id="4" idx="3"/>
+            <a:endCxn id="20" idx="1"/>
+          </p:cNvCxnSpPr>
+          <p:nvPr/>
+        </p:nvCxnSpPr>
+        <p:spPr>
+          <a:xfrm flipV="1">
+            <a:off x="1846135" y="1796898"/>
+            <a:ext cx="715050" cy="1745618"/>
+          </a:xfrm>
+          <a:prstGeom prst="straightConnector1">
+            <a:avLst/>
+          </a:prstGeom>
+          <a:ln>
+            <a:tailEnd type="triangle"/>
+          </a:ln>
+        </p:spPr>
+        <p:style>
+          <a:lnRef idx="2">
+            <a:schemeClr val="accent3"/>
+          </a:lnRef>
+          <a:fillRef idx="0">
+            <a:schemeClr val="accent3"/>
+          </a:fillRef>
+          <a:effectRef idx="1">
+            <a:schemeClr val="accent3"/>
+          </a:effectRef>
+          <a:fontRef idx="minor">
+            <a:schemeClr val="tx1"/>
+          </a:fontRef>
+        </p:style>
+      </p:cxnSp>
+      <p:cxnSp>
+        <p:nvCxnSpPr>
+          <p:cNvPr id="89" name="Straight Arrow Connector 88"/>
+          <p:cNvCxnSpPr>
+            <a:stCxn id="13" idx="3"/>
+            <a:endCxn id="15" idx="1"/>
+          </p:cNvCxnSpPr>
+          <p:nvPr/>
+        </p:nvCxnSpPr>
+        <p:spPr>
+          <a:xfrm>
+            <a:off x="5859094" y="1136741"/>
+            <a:ext cx="1770977" cy="1159661"/>
+          </a:xfrm>
+          <a:prstGeom prst="straightConnector1">
+            <a:avLst/>
+          </a:prstGeom>
+          <a:ln>
+            <a:tailEnd type="triangle"/>
+          </a:ln>
+        </p:spPr>
+        <p:style>
+          <a:lnRef idx="2">
+            <a:schemeClr val="accent3"/>
+          </a:lnRef>
+          <a:fillRef idx="0">
+            <a:schemeClr val="accent3"/>
+          </a:fillRef>
+          <a:effectRef idx="1">
+            <a:schemeClr val="accent3"/>
+          </a:effectRef>
+          <a:fontRef idx="minor">
+            <a:schemeClr val="tx1"/>
+          </a:fontRef>
+        </p:style>
+      </p:cxnSp>
+      <p:cxnSp>
+        <p:nvCxnSpPr>
+          <p:cNvPr id="92" name="Straight Arrow Connector 91"/>
+          <p:cNvCxnSpPr>
+            <a:stCxn id="8" idx="3"/>
+            <a:endCxn id="15" idx="1"/>
+          </p:cNvCxnSpPr>
+          <p:nvPr/>
+        </p:nvCxnSpPr>
+        <p:spPr>
+          <a:xfrm>
+            <a:off x="5859094" y="1796899"/>
+            <a:ext cx="1770977" cy="499503"/>
+          </a:xfrm>
+          <a:prstGeom prst="straightConnector1">
+            <a:avLst/>
+          </a:prstGeom>
+          <a:ln>
+            <a:tailEnd type="triangle"/>
+          </a:ln>
+        </p:spPr>
+        <p:style>
+          <a:lnRef idx="2">
+            <a:schemeClr val="accent3"/>
+          </a:lnRef>
+          <a:fillRef idx="0">
+            <a:schemeClr val="accent3"/>
+          </a:fillRef>
+          <a:effectRef idx="1">
+            <a:schemeClr val="accent3"/>
+          </a:effectRef>
+          <a:fontRef idx="minor">
+            <a:schemeClr val="tx1"/>
+          </a:fontRef>
+        </p:style>
+      </p:cxnSp>
+    </p:spTree>
+    <p:extLst>
+      <p:ext uri="{BB962C8B-B14F-4D97-AF65-F5344CB8AC3E}">
+        <p14:creationId xmlns:p14="http://schemas.microsoft.com/office/powerpoint/2010/main" val="4066764532"/>
+      </p:ext>
+    </p:extLst>
+  </p:cSld>
+  <p:clrMapOvr>
+    <a:masterClrMapping/>
+  </p:clrMapOvr>
+</p:sld>
+</file>
+
 <file path=ppt/theme/theme1.xml><?xml version="1.0" encoding="utf-8"?>
 <a:theme xmlns:a="http://schemas.openxmlformats.org/drawingml/2006/main" name="Office Theme">
   <a:themeElements>
